--- a/assets/pycobytes.pptx
+++ b/assets/pycobytes.pptx
@@ -8,8 +8,9 @@
   <p:sldIdLst>
     <p:sldId id="257" r:id="rId3"/>
     <p:sldId id="258" r:id="rId4"/>
-    <p:sldId id="260" r:id="rId5"/>
-    <p:sldId id="259" r:id="rId6"/>
+    <p:sldId id="261" r:id="rId5"/>
+    <p:sldId id="260" r:id="rId6"/>
+    <p:sldId id="259" r:id="rId7"/>
   </p:sldIdLst>
   <p:sldSz cx="12192000" cy="6858000"/>
   <p:notesSz cx="6858000" cy="9144000"/>
@@ -1920,6 +1921,515 @@
       </p:grpSpPr>
       <p:sp>
         <p:nvSpPr>
+          <p:cNvPr id="10" name="Freeform 9"/>
+          <p:cNvSpPr/>
+          <p:nvPr/>
+        </p:nvSpPr>
+        <p:spPr>
+          <a:xfrm rot="20407499">
+            <a:off x="2901349" y="1535198"/>
+            <a:ext cx="404194" cy="930414"/>
+          </a:xfrm>
+          <a:custGeom>
+            <a:avLst/>
+            <a:gdLst>
+              <a:gd name="connsiteX0" fmla="*/ 0 w 966159"/>
+              <a:gd name="connsiteY0" fmla="*/ 0 h 2027208"/>
+              <a:gd name="connsiteX1" fmla="*/ 0 w 966159"/>
+              <a:gd name="connsiteY1" fmla="*/ 1630393 h 2027208"/>
+              <a:gd name="connsiteX2" fmla="*/ 966159 w 966159"/>
+              <a:gd name="connsiteY2" fmla="*/ 2027208 h 2027208"/>
+              <a:gd name="connsiteX3" fmla="*/ 0 w 966159"/>
+              <a:gd name="connsiteY3" fmla="*/ 0 h 2027208"/>
+            </a:gdLst>
+            <a:ahLst/>
+            <a:cxnLst>
+              <a:cxn ang="0">
+                <a:pos x="connsiteX0" y="connsiteY0"/>
+              </a:cxn>
+              <a:cxn ang="0">
+                <a:pos x="connsiteX1" y="connsiteY1"/>
+              </a:cxn>
+              <a:cxn ang="0">
+                <a:pos x="connsiteX2" y="connsiteY2"/>
+              </a:cxn>
+              <a:cxn ang="0">
+                <a:pos x="connsiteX3" y="connsiteY3"/>
+              </a:cxn>
+            </a:cxnLst>
+            <a:rect l="l" t="t" r="r" b="b"/>
+            <a:pathLst>
+              <a:path w="966159" h="2027208">
+                <a:moveTo>
+                  <a:pt x="0" y="0"/>
+                </a:moveTo>
+                <a:lnTo>
+                  <a:pt x="0" y="1630393"/>
+                </a:lnTo>
+                <a:lnTo>
+                  <a:pt x="966159" y="2027208"/>
+                </a:lnTo>
+                <a:lnTo>
+                  <a:pt x="0" y="0"/>
+                </a:lnTo>
+                <a:close/>
+              </a:path>
+            </a:pathLst>
+          </a:custGeom>
+          <a:solidFill>
+            <a:schemeClr val="accent1">
+              <a:alpha val="20000"/>
+            </a:schemeClr>
+          </a:solidFill>
+          <a:ln>
+            <a:noFill/>
+          </a:ln>
+        </p:spPr>
+        <p:style>
+          <a:lnRef idx="2">
+            <a:schemeClr val="accent1">
+              <a:shade val="50000"/>
+            </a:schemeClr>
+          </a:lnRef>
+          <a:fillRef idx="1">
+            <a:schemeClr val="accent1"/>
+          </a:fillRef>
+          <a:effectRef idx="0">
+            <a:schemeClr val="accent1"/>
+          </a:effectRef>
+          <a:fontRef idx="minor">
+            <a:schemeClr val="lt1"/>
+          </a:fontRef>
+        </p:style>
+        <p:txBody>
+          <a:bodyPr rtlCol="0" anchor="ctr"/>
+          <a:lstStyle/>
+          <a:p>
+            <a:pPr algn="ctr"/>
+            <a:endParaRPr lang="en-GB"/>
+          </a:p>
+        </p:txBody>
+      </p:sp>
+      <p:sp>
+        <p:nvSpPr>
+          <p:cNvPr id="11" name="Freeform 10"/>
+          <p:cNvSpPr/>
+          <p:nvPr/>
+        </p:nvSpPr>
+        <p:spPr>
+          <a:xfrm rot="20407499" flipH="1">
+            <a:off x="2434847" y="1690490"/>
+            <a:ext cx="404194" cy="930414"/>
+          </a:xfrm>
+          <a:custGeom>
+            <a:avLst/>
+            <a:gdLst>
+              <a:gd name="connsiteX0" fmla="*/ 0 w 966159"/>
+              <a:gd name="connsiteY0" fmla="*/ 0 h 2027208"/>
+              <a:gd name="connsiteX1" fmla="*/ 0 w 966159"/>
+              <a:gd name="connsiteY1" fmla="*/ 1630393 h 2027208"/>
+              <a:gd name="connsiteX2" fmla="*/ 966159 w 966159"/>
+              <a:gd name="connsiteY2" fmla="*/ 2027208 h 2027208"/>
+              <a:gd name="connsiteX3" fmla="*/ 0 w 966159"/>
+              <a:gd name="connsiteY3" fmla="*/ 0 h 2027208"/>
+            </a:gdLst>
+            <a:ahLst/>
+            <a:cxnLst>
+              <a:cxn ang="0">
+                <a:pos x="connsiteX0" y="connsiteY0"/>
+              </a:cxn>
+              <a:cxn ang="0">
+                <a:pos x="connsiteX1" y="connsiteY1"/>
+              </a:cxn>
+              <a:cxn ang="0">
+                <a:pos x="connsiteX2" y="connsiteY2"/>
+              </a:cxn>
+              <a:cxn ang="0">
+                <a:pos x="connsiteX3" y="connsiteY3"/>
+              </a:cxn>
+            </a:cxnLst>
+            <a:rect l="l" t="t" r="r" b="b"/>
+            <a:pathLst>
+              <a:path w="966159" h="2027208">
+                <a:moveTo>
+                  <a:pt x="0" y="0"/>
+                </a:moveTo>
+                <a:lnTo>
+                  <a:pt x="0" y="1630393"/>
+                </a:lnTo>
+                <a:lnTo>
+                  <a:pt x="966159" y="2027208"/>
+                </a:lnTo>
+                <a:lnTo>
+                  <a:pt x="0" y="0"/>
+                </a:lnTo>
+                <a:close/>
+              </a:path>
+            </a:pathLst>
+          </a:custGeom>
+          <a:solidFill>
+            <a:schemeClr val="accent1">
+              <a:alpha val="20000"/>
+            </a:schemeClr>
+          </a:solidFill>
+          <a:ln>
+            <a:noFill/>
+          </a:ln>
+        </p:spPr>
+        <p:style>
+          <a:lnRef idx="2">
+            <a:schemeClr val="accent1">
+              <a:shade val="50000"/>
+            </a:schemeClr>
+          </a:lnRef>
+          <a:fillRef idx="1">
+            <a:schemeClr val="accent1"/>
+          </a:fillRef>
+          <a:effectRef idx="0">
+            <a:schemeClr val="accent1"/>
+          </a:effectRef>
+          <a:fontRef idx="minor">
+            <a:schemeClr val="lt1"/>
+          </a:fontRef>
+        </p:style>
+        <p:txBody>
+          <a:bodyPr rtlCol="0" anchor="ctr"/>
+          <a:lstStyle/>
+          <a:p>
+            <a:pPr algn="ctr"/>
+            <a:endParaRPr lang="en-GB"/>
+          </a:p>
+        </p:txBody>
+      </p:sp>
+      <p:sp>
+        <p:nvSpPr>
+          <p:cNvPr id="12" name="Rectangle 11"/>
+          <p:cNvSpPr/>
+          <p:nvPr/>
+        </p:nvSpPr>
+        <p:spPr>
+          <a:xfrm>
+            <a:off x="2175934" y="1435280"/>
+            <a:ext cx="1355238" cy="1355238"/>
+          </a:xfrm>
+          <a:prstGeom prst="rect">
+            <a:avLst/>
+          </a:prstGeom>
+          <a:noFill/>
+          <a:ln>
+            <a:noFill/>
+          </a:ln>
+        </p:spPr>
+        <p:style>
+          <a:lnRef idx="2">
+            <a:schemeClr val="accent1">
+              <a:shade val="50000"/>
+            </a:schemeClr>
+          </a:lnRef>
+          <a:fillRef idx="1">
+            <a:schemeClr val="accent1"/>
+          </a:fillRef>
+          <a:effectRef idx="0">
+            <a:schemeClr val="accent1"/>
+          </a:effectRef>
+          <a:fontRef idx="minor">
+            <a:schemeClr val="lt1"/>
+          </a:fontRef>
+        </p:style>
+        <p:txBody>
+          <a:bodyPr rtlCol="0" anchor="ctr"/>
+          <a:lstStyle/>
+          <a:p>
+            <a:pPr algn="ctr"/>
+            <a:endParaRPr lang="en-GB"/>
+          </a:p>
+        </p:txBody>
+      </p:sp>
+      <p:sp>
+        <p:nvSpPr>
+          <p:cNvPr id="13" name="Freeform 12"/>
+          <p:cNvSpPr/>
+          <p:nvPr/>
+        </p:nvSpPr>
+        <p:spPr>
+          <a:xfrm rot="20407499">
+            <a:off x="2830022" y="1492401"/>
+            <a:ext cx="404194" cy="930414"/>
+          </a:xfrm>
+          <a:custGeom>
+            <a:avLst/>
+            <a:gdLst>
+              <a:gd name="connsiteX0" fmla="*/ 0 w 966159"/>
+              <a:gd name="connsiteY0" fmla="*/ 0 h 2027208"/>
+              <a:gd name="connsiteX1" fmla="*/ 0 w 966159"/>
+              <a:gd name="connsiteY1" fmla="*/ 1630393 h 2027208"/>
+              <a:gd name="connsiteX2" fmla="*/ 966159 w 966159"/>
+              <a:gd name="connsiteY2" fmla="*/ 2027208 h 2027208"/>
+              <a:gd name="connsiteX3" fmla="*/ 0 w 966159"/>
+              <a:gd name="connsiteY3" fmla="*/ 0 h 2027208"/>
+            </a:gdLst>
+            <a:ahLst/>
+            <a:cxnLst>
+              <a:cxn ang="0">
+                <a:pos x="connsiteX0" y="connsiteY0"/>
+              </a:cxn>
+              <a:cxn ang="0">
+                <a:pos x="connsiteX1" y="connsiteY1"/>
+              </a:cxn>
+              <a:cxn ang="0">
+                <a:pos x="connsiteX2" y="connsiteY2"/>
+              </a:cxn>
+              <a:cxn ang="0">
+                <a:pos x="connsiteX3" y="connsiteY3"/>
+              </a:cxn>
+            </a:cxnLst>
+            <a:rect l="l" t="t" r="r" b="b"/>
+            <a:pathLst>
+              <a:path w="966159" h="2027208">
+                <a:moveTo>
+                  <a:pt x="0" y="0"/>
+                </a:moveTo>
+                <a:lnTo>
+                  <a:pt x="0" y="1630393"/>
+                </a:lnTo>
+                <a:lnTo>
+                  <a:pt x="966159" y="2027208"/>
+                </a:lnTo>
+                <a:lnTo>
+                  <a:pt x="0" y="0"/>
+                </a:lnTo>
+                <a:close/>
+              </a:path>
+            </a:pathLst>
+          </a:custGeom>
+          <a:solidFill>
+            <a:schemeClr val="accent6"/>
+          </a:solidFill>
+          <a:ln>
+            <a:noFill/>
+          </a:ln>
+        </p:spPr>
+        <p:style>
+          <a:lnRef idx="2">
+            <a:schemeClr val="accent1">
+              <a:shade val="50000"/>
+            </a:schemeClr>
+          </a:lnRef>
+          <a:fillRef idx="1">
+            <a:schemeClr val="accent1"/>
+          </a:fillRef>
+          <a:effectRef idx="0">
+            <a:schemeClr val="accent1"/>
+          </a:effectRef>
+          <a:fontRef idx="minor">
+            <a:schemeClr val="lt1"/>
+          </a:fontRef>
+        </p:style>
+        <p:txBody>
+          <a:bodyPr rtlCol="0" anchor="ctr"/>
+          <a:lstStyle/>
+          <a:p>
+            <a:pPr algn="ctr"/>
+            <a:endParaRPr lang="en-GB"/>
+          </a:p>
+        </p:txBody>
+      </p:sp>
+      <p:sp>
+        <p:nvSpPr>
+          <p:cNvPr id="17" name="Freeform 16"/>
+          <p:cNvSpPr/>
+          <p:nvPr/>
+        </p:nvSpPr>
+        <p:spPr>
+          <a:xfrm rot="20407499" flipH="1">
+            <a:off x="2387295" y="1652447"/>
+            <a:ext cx="404194" cy="930414"/>
+          </a:xfrm>
+          <a:custGeom>
+            <a:avLst/>
+            <a:gdLst>
+              <a:gd name="connsiteX0" fmla="*/ 0 w 966159"/>
+              <a:gd name="connsiteY0" fmla="*/ 0 h 2027208"/>
+              <a:gd name="connsiteX1" fmla="*/ 0 w 966159"/>
+              <a:gd name="connsiteY1" fmla="*/ 1630393 h 2027208"/>
+              <a:gd name="connsiteX2" fmla="*/ 966159 w 966159"/>
+              <a:gd name="connsiteY2" fmla="*/ 2027208 h 2027208"/>
+              <a:gd name="connsiteX3" fmla="*/ 0 w 966159"/>
+              <a:gd name="connsiteY3" fmla="*/ 0 h 2027208"/>
+            </a:gdLst>
+            <a:ahLst/>
+            <a:cxnLst>
+              <a:cxn ang="0">
+                <a:pos x="connsiteX0" y="connsiteY0"/>
+              </a:cxn>
+              <a:cxn ang="0">
+                <a:pos x="connsiteX1" y="connsiteY1"/>
+              </a:cxn>
+              <a:cxn ang="0">
+                <a:pos x="connsiteX2" y="connsiteY2"/>
+              </a:cxn>
+              <a:cxn ang="0">
+                <a:pos x="connsiteX3" y="connsiteY3"/>
+              </a:cxn>
+            </a:cxnLst>
+            <a:rect l="l" t="t" r="r" b="b"/>
+            <a:pathLst>
+              <a:path w="966159" h="2027208">
+                <a:moveTo>
+                  <a:pt x="0" y="0"/>
+                </a:moveTo>
+                <a:lnTo>
+                  <a:pt x="0" y="1630393"/>
+                </a:lnTo>
+                <a:lnTo>
+                  <a:pt x="966159" y="2027208"/>
+                </a:lnTo>
+                <a:lnTo>
+                  <a:pt x="0" y="0"/>
+                </a:lnTo>
+                <a:close/>
+              </a:path>
+            </a:pathLst>
+          </a:custGeom>
+          <a:solidFill>
+            <a:schemeClr val="accent1"/>
+          </a:solidFill>
+          <a:ln>
+            <a:noFill/>
+          </a:ln>
+        </p:spPr>
+        <p:style>
+          <a:lnRef idx="2">
+            <a:schemeClr val="accent1">
+              <a:shade val="50000"/>
+            </a:schemeClr>
+          </a:lnRef>
+          <a:fillRef idx="1">
+            <a:schemeClr val="accent1"/>
+          </a:fillRef>
+          <a:effectRef idx="0">
+            <a:schemeClr val="accent1"/>
+          </a:effectRef>
+          <a:fontRef idx="minor">
+            <a:schemeClr val="lt1"/>
+          </a:fontRef>
+        </p:style>
+        <p:txBody>
+          <a:bodyPr rtlCol="0" anchor="ctr"/>
+          <a:lstStyle/>
+          <a:p>
+            <a:pPr algn="ctr"/>
+            <a:endParaRPr lang="en-GB"/>
+          </a:p>
+        </p:txBody>
+      </p:sp>
+      <p:sp>
+        <p:nvSpPr>
+          <p:cNvPr id="3" name="TextBox 2"/>
+          <p:cNvSpPr txBox="1"/>
+          <p:nvPr/>
+        </p:nvSpPr>
+        <p:spPr>
+          <a:xfrm>
+            <a:off x="3637505" y="1435280"/>
+            <a:ext cx="5445723" cy="1154162"/>
+          </a:xfrm>
+          <a:prstGeom prst="rect">
+            <a:avLst/>
+          </a:prstGeom>
+          <a:noFill/>
+        </p:spPr>
+        <p:txBody>
+          <a:bodyPr wrap="none" rtlCol="0">
+            <a:spAutoFit/>
+          </a:bodyPr>
+          <a:lstStyle/>
+          <a:p>
+            <a:pPr algn="ctr"/>
+            <a:r>
+              <a:rPr lang="en-GB" sz="6900" dirty="0" err="1" smtClean="0">
+                <a:solidFill>
+                  <a:schemeClr val="accent5">
+                    <a:lumMod val="60000"/>
+                    <a:lumOff val="40000"/>
+                  </a:schemeClr>
+                </a:solidFill>
+                <a:latin typeface="Roboto Mono" panose="00000009000000000000" pitchFamily="49" charset="0"/>
+                <a:ea typeface="Roboto Mono" panose="00000009000000000000" pitchFamily="49" charset="0"/>
+              </a:rPr>
+              <a:t>pyco</a:t>
+            </a:r>
+            <a:r>
+              <a:rPr lang="en-GB" sz="6900" dirty="0" err="1" smtClean="0">
+                <a:solidFill>
+                  <a:schemeClr val="accent1">
+                    <a:lumMod val="50000"/>
+                  </a:schemeClr>
+                </a:solidFill>
+                <a:latin typeface="Consolas" panose="020B0609020204030204" pitchFamily="49" charset="0"/>
+                <a:ea typeface="Roboto Mono" panose="00000009000000000000" pitchFamily="49" charset="0"/>
+              </a:rPr>
+              <a:t>:</a:t>
+            </a:r>
+            <a:r>
+              <a:rPr lang="en-GB" sz="6900" dirty="0" err="1" smtClean="0">
+                <a:solidFill>
+                  <a:srgbClr val="9090F1"/>
+                </a:solidFill>
+                <a:latin typeface="Roboto Mono" panose="00000009000000000000" pitchFamily="49" charset="0"/>
+                <a:ea typeface="Roboto Mono" panose="00000009000000000000" pitchFamily="49" charset="0"/>
+              </a:rPr>
+              <a:t>bytes</a:t>
+            </a:r>
+            <a:endParaRPr lang="en-GB" sz="6900" dirty="0">
+              <a:solidFill>
+                <a:srgbClr val="9090F1"/>
+              </a:solidFill>
+              <a:latin typeface="Roboto Mono" panose="00000009000000000000" pitchFamily="49" charset="0"/>
+              <a:ea typeface="Roboto Mono" panose="00000009000000000000" pitchFamily="49" charset="0"/>
+            </a:endParaRPr>
+          </a:p>
+        </p:txBody>
+      </p:sp>
+    </p:spTree>
+    <p:extLst>
+      <p:ext uri="{BB962C8B-B14F-4D97-AF65-F5344CB8AC3E}">
+        <p14:creationId xmlns:p14="http://schemas.microsoft.com/office/powerpoint/2010/main" val="1921378098"/>
+      </p:ext>
+    </p:extLst>
+  </p:cSld>
+  <p:clrMapOvr>
+    <a:masterClrMapping/>
+  </p:clrMapOvr>
+  <p:timing>
+    <p:tnLst>
+      <p:par>
+        <p:cTn id="1" dur="indefinite" restart="never" nodeType="tmRoot"/>
+      </p:par>
+    </p:tnLst>
+  </p:timing>
+</p:sld>
+</file>
+
+<file path=ppt/slides/slide4.xml><?xml version="1.0" encoding="utf-8"?>
+<p:sld xmlns:a="http://schemas.openxmlformats.org/drawingml/2006/main" xmlns:r="http://schemas.openxmlformats.org/officeDocument/2006/relationships" xmlns:p="http://schemas.openxmlformats.org/presentationml/2006/main">
+  <p:cSld>
+    <p:spTree>
+      <p:nvGrpSpPr>
+        <p:cNvPr id="1" name=""/>
+        <p:cNvGrpSpPr/>
+        <p:nvPr/>
+      </p:nvGrpSpPr>
+      <p:grpSpPr>
+        <a:xfrm>
+          <a:off x="0" y="0"/>
+          <a:ext cx="0" cy="0"/>
+          <a:chOff x="0" y="0"/>
+          <a:chExt cx="0" cy="0"/>
+        </a:xfrm>
+      </p:grpSpPr>
+      <p:sp>
+        <p:nvSpPr>
           <p:cNvPr id="19" name="Rectangle 18"/>
           <p:cNvSpPr/>
           <p:nvPr/>
@@ -2588,7 +3098,7 @@
 </p:sld>
 </file>
 
-<file path=ppt/slides/slide4.xml><?xml version="1.0" encoding="utf-8"?>
+<file path=ppt/slides/slide5.xml><?xml version="1.0" encoding="utf-8"?>
 <p:sld xmlns:a="http://schemas.openxmlformats.org/drawingml/2006/main" xmlns:r="http://schemas.openxmlformats.org/officeDocument/2006/relationships" xmlns:p="http://schemas.openxmlformats.org/presentationml/2006/main">
   <p:cSld>
     <p:spTree>

--- a/assets/pycobytes.pptx
+++ b/assets/pycobytes.pptx
@@ -10,7 +10,8 @@
     <p:sldId id="258" r:id="rId4"/>
     <p:sldId id="261" r:id="rId5"/>
     <p:sldId id="260" r:id="rId6"/>
-    <p:sldId id="259" r:id="rId7"/>
+    <p:sldId id="262" r:id="rId7"/>
+    <p:sldId id="259" r:id="rId8"/>
   </p:sldIdLst>
   <p:sldSz cx="12192000" cy="6858000"/>
   <p:notesSz cx="6858000" cy="9144000"/>
@@ -3123,6 +3124,693 @@
         </p:nvSpPr>
         <p:spPr>
           <a:xfrm>
+            <a:off x="1312653" y="1043797"/>
+            <a:ext cx="9566694" cy="2621408"/>
+          </a:xfrm>
+          <a:prstGeom prst="rect">
+            <a:avLst/>
+          </a:prstGeom>
+          <a:solidFill>
+            <a:schemeClr val="tx1"/>
+          </a:solidFill>
+          <a:ln>
+            <a:noFill/>
+          </a:ln>
+        </p:spPr>
+        <p:style>
+          <a:lnRef idx="2">
+            <a:schemeClr val="accent1">
+              <a:shade val="50000"/>
+            </a:schemeClr>
+          </a:lnRef>
+          <a:fillRef idx="1">
+            <a:schemeClr val="accent1"/>
+          </a:fillRef>
+          <a:effectRef idx="0">
+            <a:schemeClr val="accent1"/>
+          </a:effectRef>
+          <a:fontRef idx="minor">
+            <a:schemeClr val="lt1"/>
+          </a:fontRef>
+        </p:style>
+        <p:txBody>
+          <a:bodyPr rtlCol="0" anchor="ctr"/>
+          <a:lstStyle/>
+          <a:p>
+            <a:pPr algn="ctr"/>
+            <a:endParaRPr lang="en-GB"/>
+          </a:p>
+        </p:txBody>
+      </p:sp>
+      <p:sp>
+        <p:nvSpPr>
+          <p:cNvPr id="3" name="TextBox 2"/>
+          <p:cNvSpPr txBox="1"/>
+          <p:nvPr/>
+        </p:nvSpPr>
+        <p:spPr>
+          <a:xfrm>
+            <a:off x="3637505" y="1435280"/>
+            <a:ext cx="5445723" cy="1154162"/>
+          </a:xfrm>
+          <a:prstGeom prst="rect">
+            <a:avLst/>
+          </a:prstGeom>
+          <a:noFill/>
+        </p:spPr>
+        <p:txBody>
+          <a:bodyPr wrap="none" rtlCol="0">
+            <a:spAutoFit/>
+          </a:bodyPr>
+          <a:lstStyle/>
+          <a:p>
+            <a:pPr algn="ctr"/>
+            <a:r>
+              <a:rPr lang="en-GB" sz="6900" dirty="0" err="1" smtClean="0">
+                <a:solidFill>
+                  <a:schemeClr val="accent5">
+                    <a:lumMod val="60000"/>
+                    <a:lumOff val="40000"/>
+                  </a:schemeClr>
+                </a:solidFill>
+                <a:latin typeface="Roboto Mono" panose="00000009000000000000" pitchFamily="49" charset="0"/>
+                <a:ea typeface="Roboto Mono" panose="00000009000000000000" pitchFamily="49" charset="0"/>
+              </a:rPr>
+              <a:t>pyco</a:t>
+            </a:r>
+            <a:r>
+              <a:rPr lang="en-GB" sz="6900" dirty="0" err="1" smtClean="0">
+                <a:solidFill>
+                  <a:schemeClr val="accent1">
+                    <a:lumMod val="50000"/>
+                  </a:schemeClr>
+                </a:solidFill>
+                <a:latin typeface="Consolas" panose="020B0609020204030204" pitchFamily="49" charset="0"/>
+                <a:ea typeface="Roboto Mono" panose="00000009000000000000" pitchFamily="49" charset="0"/>
+              </a:rPr>
+              <a:t>:</a:t>
+            </a:r>
+            <a:r>
+              <a:rPr lang="en-GB" sz="6900" dirty="0" err="1" smtClean="0">
+                <a:solidFill>
+                  <a:srgbClr val="9090F1"/>
+                </a:solidFill>
+                <a:latin typeface="Roboto Mono" panose="00000009000000000000" pitchFamily="49" charset="0"/>
+                <a:ea typeface="Roboto Mono" panose="00000009000000000000" pitchFamily="49" charset="0"/>
+              </a:rPr>
+              <a:t>bytes</a:t>
+            </a:r>
+            <a:endParaRPr lang="en-GB" sz="6900" dirty="0">
+              <a:solidFill>
+                <a:srgbClr val="9090F1"/>
+              </a:solidFill>
+              <a:latin typeface="Roboto Mono" panose="00000009000000000000" pitchFamily="49" charset="0"/>
+              <a:ea typeface="Roboto Mono" panose="00000009000000000000" pitchFamily="49" charset="0"/>
+            </a:endParaRPr>
+          </a:p>
+        </p:txBody>
+      </p:sp>
+      <p:sp>
+        <p:nvSpPr>
+          <p:cNvPr id="18" name="TextBox 17"/>
+          <p:cNvSpPr txBox="1"/>
+          <p:nvPr/>
+        </p:nvSpPr>
+        <p:spPr>
+          <a:xfrm>
+            <a:off x="3474129" y="2711468"/>
+            <a:ext cx="5243743" cy="400110"/>
+          </a:xfrm>
+          <a:prstGeom prst="rect">
+            <a:avLst/>
+          </a:prstGeom>
+          <a:noFill/>
+        </p:spPr>
+        <p:txBody>
+          <a:bodyPr wrap="none" rtlCol="0">
+            <a:spAutoFit/>
+          </a:bodyPr>
+          <a:lstStyle/>
+          <a:p>
+            <a:pPr algn="ctr"/>
+            <a:r>
+              <a:rPr lang="en-GB" sz="2000" dirty="0">
+                <a:solidFill>
+                  <a:schemeClr val="bg1"/>
+                </a:solidFill>
+                <a:latin typeface="Sniglet" panose="04070505030100020000" pitchFamily="82" charset="0"/>
+              </a:rPr>
+              <a:t>e</a:t>
+            </a:r>
+            <a:r>
+              <a:rPr lang="en-GB" sz="2000" dirty="0" smtClean="0">
+                <a:solidFill>
+                  <a:schemeClr val="bg1"/>
+                </a:solidFill>
+                <a:latin typeface="Sniglet" panose="04070505030100020000" pitchFamily="82" charset="0"/>
+              </a:rPr>
+              <a:t>xploring the magic of Python, week by week</a:t>
+            </a:r>
+            <a:endParaRPr lang="en-GB" sz="2000" dirty="0">
+              <a:solidFill>
+                <a:schemeClr val="bg1"/>
+              </a:solidFill>
+              <a:latin typeface="Sniglet" panose="04070505030100020000" pitchFamily="82" charset="0"/>
+            </a:endParaRPr>
+          </a:p>
+        </p:txBody>
+      </p:sp>
+      <p:sp>
+        <p:nvSpPr>
+          <p:cNvPr id="22" name="TextBox 21"/>
+          <p:cNvSpPr txBox="1"/>
+          <p:nvPr/>
+        </p:nvSpPr>
+        <p:spPr>
+          <a:xfrm>
+            <a:off x="5792071" y="3230590"/>
+            <a:ext cx="607859" cy="400110"/>
+          </a:xfrm>
+          <a:prstGeom prst="rect">
+            <a:avLst/>
+          </a:prstGeom>
+          <a:noFill/>
+        </p:spPr>
+        <p:txBody>
+          <a:bodyPr wrap="none" rtlCol="0">
+            <a:spAutoFit/>
+          </a:bodyPr>
+          <a:lstStyle/>
+          <a:p>
+            <a:pPr algn="ctr"/>
+            <a:r>
+              <a:rPr lang="en-GB" sz="2000" dirty="0" smtClean="0">
+                <a:solidFill>
+                  <a:schemeClr val="accent4"/>
+                </a:solidFill>
+                <a:latin typeface="Consolas" panose="020B0609020204030204" pitchFamily="49" charset="0"/>
+              </a:rPr>
+              <a:t>&gt;&gt;&gt;</a:t>
+            </a:r>
+            <a:endParaRPr lang="en-GB" sz="2000" dirty="0">
+              <a:solidFill>
+                <a:schemeClr val="accent4"/>
+              </a:solidFill>
+              <a:latin typeface="Consolas" panose="020B0609020204030204" pitchFamily="49" charset="0"/>
+            </a:endParaRPr>
+          </a:p>
+        </p:txBody>
+      </p:sp>
+      <p:sp>
+        <p:nvSpPr>
+          <p:cNvPr id="9" name="TextBox 8"/>
+          <p:cNvSpPr txBox="1"/>
+          <p:nvPr/>
+        </p:nvSpPr>
+        <p:spPr>
+          <a:xfrm>
+            <a:off x="5256669" y="1169855"/>
+            <a:ext cx="1678666" cy="338554"/>
+          </a:xfrm>
+          <a:prstGeom prst="rect">
+            <a:avLst/>
+          </a:prstGeom>
+          <a:noFill/>
+        </p:spPr>
+        <p:txBody>
+          <a:bodyPr wrap="none" rtlCol="0">
+            <a:spAutoFit/>
+          </a:bodyPr>
+          <a:lstStyle/>
+          <a:p>
+            <a:pPr algn="ctr"/>
+            <a:r>
+              <a:rPr lang="en-GB" sz="1600" dirty="0" smtClean="0">
+                <a:solidFill>
+                  <a:schemeClr val="tx2"/>
+                </a:solidFill>
+                <a:latin typeface="+mj-lt"/>
+              </a:rPr>
+              <a:t>WELCOME TO</a:t>
+            </a:r>
+            <a:endParaRPr lang="en-GB" sz="1600" dirty="0">
+              <a:solidFill>
+                <a:schemeClr val="tx2"/>
+              </a:solidFill>
+              <a:latin typeface="+mj-lt"/>
+            </a:endParaRPr>
+          </a:p>
+        </p:txBody>
+      </p:sp>
+      <p:sp>
+        <p:nvSpPr>
+          <p:cNvPr id="11" name="Freeform 10"/>
+          <p:cNvSpPr/>
+          <p:nvPr/>
+        </p:nvSpPr>
+        <p:spPr>
+          <a:xfrm rot="20407499">
+            <a:off x="2901349" y="1535198"/>
+            <a:ext cx="404194" cy="930414"/>
+          </a:xfrm>
+          <a:custGeom>
+            <a:avLst/>
+            <a:gdLst>
+              <a:gd name="connsiteX0" fmla="*/ 0 w 966159"/>
+              <a:gd name="connsiteY0" fmla="*/ 0 h 2027208"/>
+              <a:gd name="connsiteX1" fmla="*/ 0 w 966159"/>
+              <a:gd name="connsiteY1" fmla="*/ 1630393 h 2027208"/>
+              <a:gd name="connsiteX2" fmla="*/ 966159 w 966159"/>
+              <a:gd name="connsiteY2" fmla="*/ 2027208 h 2027208"/>
+              <a:gd name="connsiteX3" fmla="*/ 0 w 966159"/>
+              <a:gd name="connsiteY3" fmla="*/ 0 h 2027208"/>
+            </a:gdLst>
+            <a:ahLst/>
+            <a:cxnLst>
+              <a:cxn ang="0">
+                <a:pos x="connsiteX0" y="connsiteY0"/>
+              </a:cxn>
+              <a:cxn ang="0">
+                <a:pos x="connsiteX1" y="connsiteY1"/>
+              </a:cxn>
+              <a:cxn ang="0">
+                <a:pos x="connsiteX2" y="connsiteY2"/>
+              </a:cxn>
+              <a:cxn ang="0">
+                <a:pos x="connsiteX3" y="connsiteY3"/>
+              </a:cxn>
+            </a:cxnLst>
+            <a:rect l="l" t="t" r="r" b="b"/>
+            <a:pathLst>
+              <a:path w="966159" h="2027208">
+                <a:moveTo>
+                  <a:pt x="0" y="0"/>
+                </a:moveTo>
+                <a:lnTo>
+                  <a:pt x="0" y="1630393"/>
+                </a:lnTo>
+                <a:lnTo>
+                  <a:pt x="966159" y="2027208"/>
+                </a:lnTo>
+                <a:lnTo>
+                  <a:pt x="0" y="0"/>
+                </a:lnTo>
+                <a:close/>
+              </a:path>
+            </a:pathLst>
+          </a:custGeom>
+          <a:solidFill>
+            <a:schemeClr val="accent1">
+              <a:alpha val="20000"/>
+            </a:schemeClr>
+          </a:solidFill>
+          <a:ln>
+            <a:noFill/>
+          </a:ln>
+        </p:spPr>
+        <p:style>
+          <a:lnRef idx="2">
+            <a:schemeClr val="accent1">
+              <a:shade val="50000"/>
+            </a:schemeClr>
+          </a:lnRef>
+          <a:fillRef idx="1">
+            <a:schemeClr val="accent1"/>
+          </a:fillRef>
+          <a:effectRef idx="0">
+            <a:schemeClr val="accent1"/>
+          </a:effectRef>
+          <a:fontRef idx="minor">
+            <a:schemeClr val="lt1"/>
+          </a:fontRef>
+        </p:style>
+        <p:txBody>
+          <a:bodyPr rtlCol="0" anchor="ctr"/>
+          <a:lstStyle/>
+          <a:p>
+            <a:pPr algn="ctr"/>
+            <a:endParaRPr lang="en-GB"/>
+          </a:p>
+        </p:txBody>
+      </p:sp>
+      <p:sp>
+        <p:nvSpPr>
+          <p:cNvPr id="12" name="Freeform 11"/>
+          <p:cNvSpPr/>
+          <p:nvPr/>
+        </p:nvSpPr>
+        <p:spPr>
+          <a:xfrm rot="20407499" flipH="1">
+            <a:off x="2434847" y="1690490"/>
+            <a:ext cx="404194" cy="930414"/>
+          </a:xfrm>
+          <a:custGeom>
+            <a:avLst/>
+            <a:gdLst>
+              <a:gd name="connsiteX0" fmla="*/ 0 w 966159"/>
+              <a:gd name="connsiteY0" fmla="*/ 0 h 2027208"/>
+              <a:gd name="connsiteX1" fmla="*/ 0 w 966159"/>
+              <a:gd name="connsiteY1" fmla="*/ 1630393 h 2027208"/>
+              <a:gd name="connsiteX2" fmla="*/ 966159 w 966159"/>
+              <a:gd name="connsiteY2" fmla="*/ 2027208 h 2027208"/>
+              <a:gd name="connsiteX3" fmla="*/ 0 w 966159"/>
+              <a:gd name="connsiteY3" fmla="*/ 0 h 2027208"/>
+            </a:gdLst>
+            <a:ahLst/>
+            <a:cxnLst>
+              <a:cxn ang="0">
+                <a:pos x="connsiteX0" y="connsiteY0"/>
+              </a:cxn>
+              <a:cxn ang="0">
+                <a:pos x="connsiteX1" y="connsiteY1"/>
+              </a:cxn>
+              <a:cxn ang="0">
+                <a:pos x="connsiteX2" y="connsiteY2"/>
+              </a:cxn>
+              <a:cxn ang="0">
+                <a:pos x="connsiteX3" y="connsiteY3"/>
+              </a:cxn>
+            </a:cxnLst>
+            <a:rect l="l" t="t" r="r" b="b"/>
+            <a:pathLst>
+              <a:path w="966159" h="2027208">
+                <a:moveTo>
+                  <a:pt x="0" y="0"/>
+                </a:moveTo>
+                <a:lnTo>
+                  <a:pt x="0" y="1630393"/>
+                </a:lnTo>
+                <a:lnTo>
+                  <a:pt x="966159" y="2027208"/>
+                </a:lnTo>
+                <a:lnTo>
+                  <a:pt x="0" y="0"/>
+                </a:lnTo>
+                <a:close/>
+              </a:path>
+            </a:pathLst>
+          </a:custGeom>
+          <a:solidFill>
+            <a:schemeClr val="accent1">
+              <a:alpha val="20000"/>
+            </a:schemeClr>
+          </a:solidFill>
+          <a:ln>
+            <a:noFill/>
+          </a:ln>
+        </p:spPr>
+        <p:style>
+          <a:lnRef idx="2">
+            <a:schemeClr val="accent1">
+              <a:shade val="50000"/>
+            </a:schemeClr>
+          </a:lnRef>
+          <a:fillRef idx="1">
+            <a:schemeClr val="accent1"/>
+          </a:fillRef>
+          <a:effectRef idx="0">
+            <a:schemeClr val="accent1"/>
+          </a:effectRef>
+          <a:fontRef idx="minor">
+            <a:schemeClr val="lt1"/>
+          </a:fontRef>
+        </p:style>
+        <p:txBody>
+          <a:bodyPr rtlCol="0" anchor="ctr"/>
+          <a:lstStyle/>
+          <a:p>
+            <a:pPr algn="ctr"/>
+            <a:endParaRPr lang="en-GB"/>
+          </a:p>
+        </p:txBody>
+      </p:sp>
+      <p:sp>
+        <p:nvSpPr>
+          <p:cNvPr id="13" name="Rectangle 12"/>
+          <p:cNvSpPr/>
+          <p:nvPr/>
+        </p:nvSpPr>
+        <p:spPr>
+          <a:xfrm>
+            <a:off x="2175934" y="1435280"/>
+            <a:ext cx="1355238" cy="1355238"/>
+          </a:xfrm>
+          <a:prstGeom prst="rect">
+            <a:avLst/>
+          </a:prstGeom>
+          <a:noFill/>
+          <a:ln>
+            <a:noFill/>
+          </a:ln>
+        </p:spPr>
+        <p:style>
+          <a:lnRef idx="2">
+            <a:schemeClr val="accent1">
+              <a:shade val="50000"/>
+            </a:schemeClr>
+          </a:lnRef>
+          <a:fillRef idx="1">
+            <a:schemeClr val="accent1"/>
+          </a:fillRef>
+          <a:effectRef idx="0">
+            <a:schemeClr val="accent1"/>
+          </a:effectRef>
+          <a:fontRef idx="minor">
+            <a:schemeClr val="lt1"/>
+          </a:fontRef>
+        </p:style>
+        <p:txBody>
+          <a:bodyPr rtlCol="0" anchor="ctr"/>
+          <a:lstStyle/>
+          <a:p>
+            <a:pPr algn="ctr"/>
+            <a:endParaRPr lang="en-GB"/>
+          </a:p>
+        </p:txBody>
+      </p:sp>
+      <p:sp>
+        <p:nvSpPr>
+          <p:cNvPr id="17" name="Freeform 16"/>
+          <p:cNvSpPr/>
+          <p:nvPr/>
+        </p:nvSpPr>
+        <p:spPr>
+          <a:xfrm rot="20407499">
+            <a:off x="2830022" y="1492401"/>
+            <a:ext cx="404194" cy="930414"/>
+          </a:xfrm>
+          <a:custGeom>
+            <a:avLst/>
+            <a:gdLst>
+              <a:gd name="connsiteX0" fmla="*/ 0 w 966159"/>
+              <a:gd name="connsiteY0" fmla="*/ 0 h 2027208"/>
+              <a:gd name="connsiteX1" fmla="*/ 0 w 966159"/>
+              <a:gd name="connsiteY1" fmla="*/ 1630393 h 2027208"/>
+              <a:gd name="connsiteX2" fmla="*/ 966159 w 966159"/>
+              <a:gd name="connsiteY2" fmla="*/ 2027208 h 2027208"/>
+              <a:gd name="connsiteX3" fmla="*/ 0 w 966159"/>
+              <a:gd name="connsiteY3" fmla="*/ 0 h 2027208"/>
+            </a:gdLst>
+            <a:ahLst/>
+            <a:cxnLst>
+              <a:cxn ang="0">
+                <a:pos x="connsiteX0" y="connsiteY0"/>
+              </a:cxn>
+              <a:cxn ang="0">
+                <a:pos x="connsiteX1" y="connsiteY1"/>
+              </a:cxn>
+              <a:cxn ang="0">
+                <a:pos x="connsiteX2" y="connsiteY2"/>
+              </a:cxn>
+              <a:cxn ang="0">
+                <a:pos x="connsiteX3" y="connsiteY3"/>
+              </a:cxn>
+            </a:cxnLst>
+            <a:rect l="l" t="t" r="r" b="b"/>
+            <a:pathLst>
+              <a:path w="966159" h="2027208">
+                <a:moveTo>
+                  <a:pt x="0" y="0"/>
+                </a:moveTo>
+                <a:lnTo>
+                  <a:pt x="0" y="1630393"/>
+                </a:lnTo>
+                <a:lnTo>
+                  <a:pt x="966159" y="2027208"/>
+                </a:lnTo>
+                <a:lnTo>
+                  <a:pt x="0" y="0"/>
+                </a:lnTo>
+                <a:close/>
+              </a:path>
+            </a:pathLst>
+          </a:custGeom>
+          <a:solidFill>
+            <a:schemeClr val="accent6"/>
+          </a:solidFill>
+          <a:ln>
+            <a:noFill/>
+          </a:ln>
+        </p:spPr>
+        <p:style>
+          <a:lnRef idx="2">
+            <a:schemeClr val="accent1">
+              <a:shade val="50000"/>
+            </a:schemeClr>
+          </a:lnRef>
+          <a:fillRef idx="1">
+            <a:schemeClr val="accent1"/>
+          </a:fillRef>
+          <a:effectRef idx="0">
+            <a:schemeClr val="accent1"/>
+          </a:effectRef>
+          <a:fontRef idx="minor">
+            <a:schemeClr val="lt1"/>
+          </a:fontRef>
+        </p:style>
+        <p:txBody>
+          <a:bodyPr rtlCol="0" anchor="ctr"/>
+          <a:lstStyle/>
+          <a:p>
+            <a:pPr algn="ctr"/>
+            <a:endParaRPr lang="en-GB"/>
+          </a:p>
+        </p:txBody>
+      </p:sp>
+      <p:sp>
+        <p:nvSpPr>
+          <p:cNvPr id="20" name="Freeform 19"/>
+          <p:cNvSpPr/>
+          <p:nvPr/>
+        </p:nvSpPr>
+        <p:spPr>
+          <a:xfrm rot="20407499" flipH="1">
+            <a:off x="2387295" y="1652447"/>
+            <a:ext cx="404194" cy="930414"/>
+          </a:xfrm>
+          <a:custGeom>
+            <a:avLst/>
+            <a:gdLst>
+              <a:gd name="connsiteX0" fmla="*/ 0 w 966159"/>
+              <a:gd name="connsiteY0" fmla="*/ 0 h 2027208"/>
+              <a:gd name="connsiteX1" fmla="*/ 0 w 966159"/>
+              <a:gd name="connsiteY1" fmla="*/ 1630393 h 2027208"/>
+              <a:gd name="connsiteX2" fmla="*/ 966159 w 966159"/>
+              <a:gd name="connsiteY2" fmla="*/ 2027208 h 2027208"/>
+              <a:gd name="connsiteX3" fmla="*/ 0 w 966159"/>
+              <a:gd name="connsiteY3" fmla="*/ 0 h 2027208"/>
+            </a:gdLst>
+            <a:ahLst/>
+            <a:cxnLst>
+              <a:cxn ang="0">
+                <a:pos x="connsiteX0" y="connsiteY0"/>
+              </a:cxn>
+              <a:cxn ang="0">
+                <a:pos x="connsiteX1" y="connsiteY1"/>
+              </a:cxn>
+              <a:cxn ang="0">
+                <a:pos x="connsiteX2" y="connsiteY2"/>
+              </a:cxn>
+              <a:cxn ang="0">
+                <a:pos x="connsiteX3" y="connsiteY3"/>
+              </a:cxn>
+            </a:cxnLst>
+            <a:rect l="l" t="t" r="r" b="b"/>
+            <a:pathLst>
+              <a:path w="966159" h="2027208">
+                <a:moveTo>
+                  <a:pt x="0" y="0"/>
+                </a:moveTo>
+                <a:lnTo>
+                  <a:pt x="0" y="1630393"/>
+                </a:lnTo>
+                <a:lnTo>
+                  <a:pt x="966159" y="2027208"/>
+                </a:lnTo>
+                <a:lnTo>
+                  <a:pt x="0" y="0"/>
+                </a:lnTo>
+                <a:close/>
+              </a:path>
+            </a:pathLst>
+          </a:custGeom>
+          <a:solidFill>
+            <a:schemeClr val="accent1"/>
+          </a:solidFill>
+          <a:ln>
+            <a:noFill/>
+          </a:ln>
+        </p:spPr>
+        <p:style>
+          <a:lnRef idx="2">
+            <a:schemeClr val="accent1">
+              <a:shade val="50000"/>
+            </a:schemeClr>
+          </a:lnRef>
+          <a:fillRef idx="1">
+            <a:schemeClr val="accent1"/>
+          </a:fillRef>
+          <a:effectRef idx="0">
+            <a:schemeClr val="accent1"/>
+          </a:effectRef>
+          <a:fontRef idx="minor">
+            <a:schemeClr val="lt1"/>
+          </a:fontRef>
+        </p:style>
+        <p:txBody>
+          <a:bodyPr rtlCol="0" anchor="ctr"/>
+          <a:lstStyle/>
+          <a:p>
+            <a:pPr algn="ctr"/>
+            <a:endParaRPr lang="en-GB"/>
+          </a:p>
+        </p:txBody>
+      </p:sp>
+    </p:spTree>
+    <p:extLst>
+      <p:ext uri="{BB962C8B-B14F-4D97-AF65-F5344CB8AC3E}">
+        <p14:creationId xmlns:p14="http://schemas.microsoft.com/office/powerpoint/2010/main" val="3625532276"/>
+      </p:ext>
+    </p:extLst>
+  </p:cSld>
+  <p:clrMapOvr>
+    <a:masterClrMapping/>
+  </p:clrMapOvr>
+  <p:timing>
+    <p:tnLst>
+      <p:par>
+        <p:cTn id="1" dur="indefinite" restart="never" nodeType="tmRoot"/>
+      </p:par>
+    </p:tnLst>
+  </p:timing>
+</p:sld>
+</file>
+
+<file path=ppt/slides/slide6.xml><?xml version="1.0" encoding="utf-8"?>
+<p:sld xmlns:a="http://schemas.openxmlformats.org/drawingml/2006/main" xmlns:r="http://schemas.openxmlformats.org/officeDocument/2006/relationships" xmlns:p="http://schemas.openxmlformats.org/presentationml/2006/main">
+  <p:cSld>
+    <p:spTree>
+      <p:nvGrpSpPr>
+        <p:cNvPr id="1" name=""/>
+        <p:cNvGrpSpPr/>
+        <p:nvPr/>
+      </p:nvGrpSpPr>
+      <p:grpSpPr>
+        <a:xfrm>
+          <a:off x="0" y="0"/>
+          <a:ext cx="0" cy="0"/>
+          <a:chOff x="0" y="0"/>
+          <a:chExt cx="0" cy="0"/>
+        </a:xfrm>
+      </p:grpSpPr>
+      <p:sp>
+        <p:nvSpPr>
+          <p:cNvPr id="19" name="Rectangle 18"/>
+          <p:cNvSpPr/>
+          <p:nvPr/>
+        </p:nvSpPr>
+        <p:spPr>
+          <a:xfrm>
             <a:off x="957532" y="2286000"/>
             <a:ext cx="10276936" cy="2286000"/>
           </a:xfrm>

--- a/assets/pycobytes.pptx
+++ b/assets/pycobytes.pptx
@@ -12,6 +12,7 @@
     <p:sldId id="260" r:id="rId6"/>
     <p:sldId id="262" r:id="rId7"/>
     <p:sldId id="259" r:id="rId8"/>
+    <p:sldId id="263" r:id="rId9"/>
   </p:sldIdLst>
   <p:sldSz cx="12192000" cy="6858000"/>
   <p:notesSz cx="6858000" cy="9144000"/>
@@ -4926,6 +4927,514 @@
 </p:sld>
 </file>
 
+<file path=ppt/slides/slide7.xml><?xml version="1.0" encoding="utf-8"?>
+<p:sld xmlns:a="http://schemas.openxmlformats.org/drawingml/2006/main" xmlns:r="http://schemas.openxmlformats.org/officeDocument/2006/relationships" xmlns:p="http://schemas.openxmlformats.org/presentationml/2006/main">
+  <p:cSld>
+    <p:spTree>
+      <p:nvGrpSpPr>
+        <p:cNvPr id="1" name=""/>
+        <p:cNvGrpSpPr/>
+        <p:nvPr/>
+      </p:nvGrpSpPr>
+      <p:grpSpPr>
+        <a:xfrm>
+          <a:off x="0" y="0"/>
+          <a:ext cx="0" cy="0"/>
+          <a:chOff x="0" y="0"/>
+          <a:chExt cx="0" cy="0"/>
+        </a:xfrm>
+      </p:grpSpPr>
+      <p:sp>
+        <p:nvSpPr>
+          <p:cNvPr id="3" name="Rectangle 2"/>
+          <p:cNvSpPr/>
+          <p:nvPr/>
+        </p:nvSpPr>
+        <p:spPr>
+          <a:xfrm>
+            <a:off x="4885267" y="3107267"/>
+            <a:ext cx="2319866" cy="1028700"/>
+          </a:xfrm>
+          <a:prstGeom prst="rect">
+            <a:avLst/>
+          </a:prstGeom>
+          <a:solidFill>
+            <a:srgbClr val="011627"/>
+          </a:solidFill>
+        </p:spPr>
+        <p:style>
+          <a:lnRef idx="2">
+            <a:schemeClr val="accent1">
+              <a:shade val="50000"/>
+            </a:schemeClr>
+          </a:lnRef>
+          <a:fillRef idx="1">
+            <a:schemeClr val="accent1"/>
+          </a:fillRef>
+          <a:effectRef idx="0">
+            <a:schemeClr val="accent1"/>
+          </a:effectRef>
+          <a:fontRef idx="minor">
+            <a:schemeClr val="lt1"/>
+          </a:fontRef>
+        </p:style>
+        <p:txBody>
+          <a:bodyPr rtlCol="0" anchor="ctr"/>
+          <a:lstStyle/>
+          <a:p>
+            <a:pPr algn="ctr"/>
+            <a:endParaRPr lang="en-GB"/>
+          </a:p>
+        </p:txBody>
+      </p:sp>
+      <p:sp>
+        <p:nvSpPr>
+          <p:cNvPr id="2" name="Rectangle 1"/>
+          <p:cNvSpPr>
+            <a:spLocks noChangeArrowheads="1"/>
+          </p:cNvSpPr>
+          <p:nvPr/>
+        </p:nvSpPr>
+        <p:spPr bwMode="auto">
+          <a:xfrm>
+            <a:off x="5186296" y="3194987"/>
+            <a:ext cx="1819409" cy="468026"/>
+          </a:xfrm>
+          <a:prstGeom prst="rect">
+            <a:avLst/>
+          </a:prstGeom>
+          <a:solidFill>
+            <a:srgbClr val="011627"/>
+          </a:solidFill>
+          <a:ln>
+            <a:noFill/>
+          </a:ln>
+          <a:effectLst/>
+          <a:extLst>
+            <a:ext uri="{91240B29-F687-4F45-9708-019B960494DF}">
+              <a14:hiddenLine xmlns:a14="http://schemas.microsoft.com/office/drawing/2010/main" w="9525">
+                <a:solidFill>
+                  <a:schemeClr val="tx1"/>
+                </a:solidFill>
+                <a:miter lim="800000"/>
+                <a:headEnd/>
+                <a:tailEnd/>
+              </a14:hiddenLine>
+            </a:ext>
+            <a:ext uri="{AF507438-7753-43E0-B8FC-AC1667EBCBE1}">
+              <a14:hiddenEffects xmlns:a14="http://schemas.microsoft.com/office/drawing/2010/main">
+                <a:effectLst>
+                  <a:outerShdw dist="35921" dir="2700000" algn="ctr" rotWithShape="0">
+                    <a:schemeClr val="bg2"/>
+                  </a:outerShdw>
+                </a:effectLst>
+              </a14:hiddenEffects>
+            </a:ext>
+          </a:extLst>
+        </p:spPr>
+        <p:txBody>
+          <a:bodyPr vert="horz" wrap="none" lIns="0" tIns="79350" rIns="0" bIns="79350" numCol="1" anchor="ctr" anchorCtr="0" compatLnSpc="1">
+            <a:prstTxWarp prst="textNoShape">
+              <a:avLst/>
+            </a:prstTxWarp>
+            <a:spAutoFit/>
+          </a:bodyPr>
+          <a:lstStyle/>
+          <a:p>
+            <a:pPr marL="0" marR="0" lvl="0" indent="0" algn="l" defTabSz="914400" rtl="0" eaLnBrk="0" fontAlgn="base" latinLnBrk="0" hangingPunct="0">
+              <a:lnSpc>
+                <a:spcPct val="100000"/>
+              </a:lnSpc>
+              <a:spcBef>
+                <a:spcPct val="0"/>
+              </a:spcBef>
+              <a:spcAft>
+                <a:spcPct val="0"/>
+              </a:spcAft>
+              <a:buClrTx/>
+              <a:buSzTx/>
+              <a:buFontTx/>
+              <a:buNone/>
+              <a:tabLst/>
+            </a:pPr>
+            <a:r>
+              <a:rPr kumimoji="0" lang="en-US" altLang="en-US" sz="1000" b="0" i="0" u="none" strike="noStrike" cap="none" normalizeH="0" baseline="0" dirty="0" smtClean="0">
+                <a:ln>
+                  <a:noFill/>
+                </a:ln>
+                <a:solidFill>
+                  <a:srgbClr val="7FDBCA"/>
+                </a:solidFill>
+                <a:effectLst/>
+                <a:latin typeface="Consolas" panose="020B0609020204030204" pitchFamily="49" charset="0"/>
+              </a:rPr>
+              <a:t>for</a:t>
+            </a:r>
+            <a:r>
+              <a:rPr kumimoji="0" lang="en-US" altLang="en-US" sz="1000" b="0" i="0" u="none" strike="noStrike" cap="none" normalizeH="0" baseline="0" dirty="0" smtClean="0">
+                <a:ln>
+                  <a:noFill/>
+                </a:ln>
+                <a:solidFill>
+                  <a:srgbClr val="D6DEEB"/>
+                </a:solidFill>
+                <a:effectLst/>
+                <a:latin typeface="Consolas" panose="020B0609020204030204" pitchFamily="49" charset="0"/>
+              </a:rPr>
+              <a:t> x </a:t>
+            </a:r>
+            <a:r>
+              <a:rPr kumimoji="0" lang="en-US" altLang="en-US" sz="1000" b="0" i="0" u="none" strike="noStrike" cap="none" normalizeH="0" baseline="0" dirty="0" smtClean="0">
+                <a:ln>
+                  <a:noFill/>
+                </a:ln>
+                <a:solidFill>
+                  <a:srgbClr val="7FDBCA"/>
+                </a:solidFill>
+                <a:effectLst/>
+                <a:latin typeface="Consolas" panose="020B0609020204030204" pitchFamily="49" charset="0"/>
+              </a:rPr>
+              <a:t>in</a:t>
+            </a:r>
+            <a:r>
+              <a:rPr kumimoji="0" lang="en-US" altLang="en-US" sz="1000" b="0" i="0" u="none" strike="noStrike" cap="none" normalizeH="0" baseline="0" dirty="0" smtClean="0">
+                <a:ln>
+                  <a:noFill/>
+                </a:ln>
+                <a:solidFill>
+                  <a:srgbClr val="D6DEEB"/>
+                </a:solidFill>
+                <a:effectLst/>
+                <a:latin typeface="Consolas" panose="020B0609020204030204" pitchFamily="49" charset="0"/>
+              </a:rPr>
+              <a:t> numbers</a:t>
+            </a:r>
+            <a:r>
+              <a:rPr kumimoji="0" lang="en-US" altLang="en-US" sz="1000" b="0" i="0" u="none" strike="noStrike" cap="none" normalizeH="0" baseline="0" dirty="0" smtClean="0">
+                <a:ln>
+                  <a:noFill/>
+                </a:ln>
+                <a:solidFill>
+                  <a:schemeClr val="tx2">
+                    <a:lumMod val="75000"/>
+                  </a:schemeClr>
+                </a:solidFill>
+                <a:effectLst/>
+                <a:latin typeface="Consolas" panose="020B0609020204030204" pitchFamily="49" charset="0"/>
+              </a:rPr>
+              <a:t>:</a:t>
+            </a:r>
+          </a:p>
+          <a:p>
+            <a:pPr marL="0" marR="0" lvl="0" indent="0" algn="l" defTabSz="914400" rtl="0" eaLnBrk="0" fontAlgn="base" latinLnBrk="0" hangingPunct="0">
+              <a:lnSpc>
+                <a:spcPct val="100000"/>
+              </a:lnSpc>
+              <a:spcBef>
+                <a:spcPct val="0"/>
+              </a:spcBef>
+              <a:spcAft>
+                <a:spcPct val="0"/>
+              </a:spcAft>
+              <a:buClrTx/>
+              <a:buSzTx/>
+              <a:buFontTx/>
+              <a:buNone/>
+              <a:tabLst/>
+            </a:pPr>
+            <a:r>
+              <a:rPr lang="en-US" altLang="en-US" sz="1000" dirty="0">
+                <a:solidFill>
+                  <a:srgbClr val="C792EA"/>
+                </a:solidFill>
+                <a:latin typeface="Consolas" panose="020B0609020204030204" pitchFamily="49" charset="0"/>
+              </a:rPr>
+              <a:t> </a:t>
+            </a:r>
+            <a:r>
+              <a:rPr lang="en-US" altLang="en-US" sz="1000" dirty="0" smtClean="0">
+                <a:solidFill>
+                  <a:srgbClr val="C792EA"/>
+                </a:solidFill>
+                <a:latin typeface="Consolas" panose="020B0609020204030204" pitchFamily="49" charset="0"/>
+              </a:rPr>
+              <a:t>   </a:t>
+            </a:r>
+            <a:r>
+              <a:rPr kumimoji="0" lang="en-US" altLang="en-US" sz="1000" b="0" i="0" u="none" strike="noStrike" cap="none" normalizeH="0" baseline="0" dirty="0" err="1" smtClean="0">
+                <a:ln>
+                  <a:noFill/>
+                </a:ln>
+                <a:solidFill>
+                  <a:schemeClr val="tx2">
+                    <a:lumMod val="75000"/>
+                  </a:schemeClr>
+                </a:solidFill>
+                <a:effectLst/>
+                <a:latin typeface="Consolas" panose="020B0609020204030204" pitchFamily="49" charset="0"/>
+              </a:rPr>
+              <a:t>result.append</a:t>
+            </a:r>
+            <a:r>
+              <a:rPr kumimoji="0" lang="en-US" altLang="en-US" sz="1000" b="0" i="0" u="none" strike="noStrike" cap="none" normalizeH="0" baseline="0" dirty="0" smtClean="0">
+                <a:ln>
+                  <a:noFill/>
+                </a:ln>
+                <a:solidFill>
+                  <a:schemeClr val="tx2">
+                    <a:lumMod val="75000"/>
+                  </a:schemeClr>
+                </a:solidFill>
+                <a:effectLst/>
+                <a:latin typeface="Consolas" panose="020B0609020204030204" pitchFamily="49" charset="0"/>
+              </a:rPr>
+              <a:t>(</a:t>
+            </a:r>
+            <a:r>
+              <a:rPr kumimoji="0" lang="en-US" altLang="en-US" sz="1000" b="0" i="0" u="none" strike="noStrike" cap="none" normalizeH="0" baseline="0" dirty="0" smtClean="0">
+                <a:ln>
+                  <a:noFill/>
+                </a:ln>
+                <a:solidFill>
+                  <a:srgbClr val="D6DEEB"/>
+                </a:solidFill>
+                <a:effectLst/>
+                <a:latin typeface="Consolas" panose="020B0609020204030204" pitchFamily="49" charset="0"/>
+              </a:rPr>
+              <a:t>x </a:t>
+            </a:r>
+            <a:r>
+              <a:rPr kumimoji="0" lang="en-US" altLang="en-US" sz="1000" b="0" i="0" u="none" strike="noStrike" cap="none" normalizeH="0" baseline="0" dirty="0" smtClean="0">
+                <a:ln>
+                  <a:noFill/>
+                </a:ln>
+                <a:solidFill>
+                  <a:srgbClr val="7FDBCA"/>
+                </a:solidFill>
+                <a:effectLst/>
+                <a:latin typeface="Consolas" panose="020B0609020204030204" pitchFamily="49" charset="0"/>
+              </a:rPr>
+              <a:t>**</a:t>
+            </a:r>
+            <a:r>
+              <a:rPr kumimoji="0" lang="en-US" altLang="en-US" sz="1000" b="0" i="0" u="none" strike="noStrike" cap="none" normalizeH="0" baseline="0" dirty="0" smtClean="0">
+                <a:ln>
+                  <a:noFill/>
+                </a:ln>
+                <a:solidFill>
+                  <a:srgbClr val="D6DEEB"/>
+                </a:solidFill>
+                <a:effectLst/>
+                <a:latin typeface="Consolas" panose="020B0609020204030204" pitchFamily="49" charset="0"/>
+              </a:rPr>
+              <a:t> </a:t>
+            </a:r>
+            <a:r>
+              <a:rPr kumimoji="0" lang="en-US" altLang="en-US" sz="1000" b="0" i="0" u="none" strike="noStrike" cap="none" normalizeH="0" baseline="0" dirty="0" smtClean="0">
+                <a:ln>
+                  <a:noFill/>
+                </a:ln>
+                <a:solidFill>
+                  <a:srgbClr val="F78C6C"/>
+                </a:solidFill>
+                <a:effectLst/>
+                <a:latin typeface="Consolas" panose="020B0609020204030204" pitchFamily="49" charset="0"/>
+              </a:rPr>
+              <a:t>2</a:t>
+            </a:r>
+            <a:r>
+              <a:rPr kumimoji="0" lang="en-US" altLang="en-US" sz="1000" b="0" i="0" u="none" strike="noStrike" cap="none" normalizeH="0" baseline="0" dirty="0" smtClean="0">
+                <a:ln>
+                  <a:noFill/>
+                </a:ln>
+                <a:solidFill>
+                  <a:schemeClr val="tx2">
+                    <a:lumMod val="75000"/>
+                  </a:schemeClr>
+                </a:solidFill>
+                <a:effectLst/>
+                <a:latin typeface="Consolas" panose="020B0609020204030204" pitchFamily="49" charset="0"/>
+              </a:rPr>
+              <a:t>)</a:t>
+            </a:r>
+            <a:r>
+              <a:rPr kumimoji="0" lang="en-US" altLang="en-US" sz="800" b="0" i="0" u="none" strike="noStrike" cap="none" normalizeH="0" baseline="0" dirty="0" smtClean="0">
+                <a:ln>
+                  <a:noFill/>
+                </a:ln>
+                <a:solidFill>
+                  <a:schemeClr val="tx1"/>
+                </a:solidFill>
+                <a:effectLst/>
+                <a:latin typeface="Consolas" panose="020B0609020204030204" pitchFamily="49" charset="0"/>
+              </a:rPr>
+              <a:t> </a:t>
+            </a:r>
+            <a:endParaRPr kumimoji="0" lang="en-US" altLang="en-US" sz="1800" b="0" i="0" u="none" strike="noStrike" cap="none" normalizeH="0" baseline="0" dirty="0" smtClean="0">
+              <a:ln>
+                <a:noFill/>
+              </a:ln>
+              <a:solidFill>
+                <a:schemeClr val="tx1"/>
+              </a:solidFill>
+              <a:effectLst/>
+              <a:latin typeface="Consolas" panose="020B0609020204030204" pitchFamily="49" charset="0"/>
+            </a:endParaRPr>
+          </a:p>
+        </p:txBody>
+      </p:sp>
+      <p:sp>
+        <p:nvSpPr>
+          <p:cNvPr id="6" name="Freeform 5"/>
+          <p:cNvSpPr/>
+          <p:nvPr/>
+        </p:nvSpPr>
+        <p:spPr>
+          <a:xfrm>
+            <a:off x="5101167" y="3530600"/>
+            <a:ext cx="1515533" cy="489618"/>
+          </a:xfrm>
+          <a:custGeom>
+            <a:avLst/>
+            <a:gdLst>
+              <a:gd name="connsiteX0" fmla="*/ 1515533 w 1515533"/>
+              <a:gd name="connsiteY0" fmla="*/ 169333 h 452104"/>
+              <a:gd name="connsiteX1" fmla="*/ 817033 w 1515533"/>
+              <a:gd name="connsiteY1" fmla="*/ 448733 h 452104"/>
+              <a:gd name="connsiteX2" fmla="*/ 0 w 1515533"/>
+              <a:gd name="connsiteY2" fmla="*/ 0 h 452104"/>
+              <a:gd name="connsiteX0" fmla="*/ 1515533 w 1515533"/>
+              <a:gd name="connsiteY0" fmla="*/ 169333 h 489618"/>
+              <a:gd name="connsiteX1" fmla="*/ 757767 w 1515533"/>
+              <a:gd name="connsiteY1" fmla="*/ 486833 h 489618"/>
+              <a:gd name="connsiteX2" fmla="*/ 0 w 1515533"/>
+              <a:gd name="connsiteY2" fmla="*/ 0 h 489618"/>
+              <a:gd name="connsiteX0" fmla="*/ 1515533 w 1515533"/>
+              <a:gd name="connsiteY0" fmla="*/ 169333 h 489618"/>
+              <a:gd name="connsiteX1" fmla="*/ 757767 w 1515533"/>
+              <a:gd name="connsiteY1" fmla="*/ 486833 h 489618"/>
+              <a:gd name="connsiteX2" fmla="*/ 0 w 1515533"/>
+              <a:gd name="connsiteY2" fmla="*/ 0 h 489618"/>
+            </a:gdLst>
+            <a:ahLst/>
+            <a:cxnLst>
+              <a:cxn ang="0">
+                <a:pos x="connsiteX0" y="connsiteY0"/>
+              </a:cxn>
+              <a:cxn ang="0">
+                <a:pos x="connsiteX1" y="connsiteY1"/>
+              </a:cxn>
+              <a:cxn ang="0">
+                <a:pos x="connsiteX2" y="connsiteY2"/>
+              </a:cxn>
+            </a:cxnLst>
+            <a:rect l="l" t="t" r="r" b="b"/>
+            <a:pathLst>
+              <a:path w="1515533" h="489618">
+                <a:moveTo>
+                  <a:pt x="1515533" y="169333"/>
+                </a:moveTo>
+                <a:cubicBezTo>
+                  <a:pt x="1292577" y="323144"/>
+                  <a:pt x="1010356" y="515055"/>
+                  <a:pt x="757767" y="486833"/>
+                </a:cubicBezTo>
+                <a:cubicBezTo>
+                  <a:pt x="505178" y="458611"/>
+                  <a:pt x="282222" y="320322"/>
+                  <a:pt x="0" y="0"/>
+                </a:cubicBezTo>
+              </a:path>
+            </a:pathLst>
+          </a:custGeom>
+          <a:noFill/>
+          <a:ln w="19050">
+            <a:solidFill>
+              <a:schemeClr val="accent6"/>
+            </a:solidFill>
+            <a:tailEnd type="arrow"/>
+          </a:ln>
+        </p:spPr>
+        <p:style>
+          <a:lnRef idx="2">
+            <a:schemeClr val="accent1">
+              <a:shade val="50000"/>
+            </a:schemeClr>
+          </a:lnRef>
+          <a:fillRef idx="1">
+            <a:schemeClr val="accent1"/>
+          </a:fillRef>
+          <a:effectRef idx="0">
+            <a:schemeClr val="accent1"/>
+          </a:effectRef>
+          <a:fontRef idx="minor">
+            <a:schemeClr val="lt1"/>
+          </a:fontRef>
+        </p:style>
+        <p:txBody>
+          <a:bodyPr rtlCol="0" anchor="ctr"/>
+          <a:lstStyle/>
+          <a:p>
+            <a:pPr algn="ctr"/>
+            <a:endParaRPr lang="en-GB"/>
+          </a:p>
+        </p:txBody>
+      </p:sp>
+      <p:cxnSp>
+        <p:nvCxnSpPr>
+          <p:cNvPr id="8" name="Straight Connector 7"/>
+          <p:cNvCxnSpPr/>
+          <p:nvPr/>
+        </p:nvCxnSpPr>
+        <p:spPr>
+          <a:xfrm>
+            <a:off x="6421967" y="3611033"/>
+            <a:ext cx="486833" cy="0"/>
+          </a:xfrm>
+          <a:prstGeom prst="line">
+            <a:avLst/>
+          </a:prstGeom>
+          <a:ln w="12700">
+            <a:solidFill>
+              <a:schemeClr val="accent6"/>
+            </a:solidFill>
+          </a:ln>
+        </p:spPr>
+        <p:style>
+          <a:lnRef idx="1">
+            <a:schemeClr val="accent1"/>
+          </a:lnRef>
+          <a:fillRef idx="0">
+            <a:schemeClr val="accent1"/>
+          </a:fillRef>
+          <a:effectRef idx="0">
+            <a:schemeClr val="accent1"/>
+          </a:effectRef>
+          <a:fontRef idx="minor">
+            <a:schemeClr val="tx1"/>
+          </a:fontRef>
+        </p:style>
+      </p:cxnSp>
+    </p:spTree>
+    <p:extLst>
+      <p:ext uri="{BB962C8B-B14F-4D97-AF65-F5344CB8AC3E}">
+        <p14:creationId xmlns:p14="http://schemas.microsoft.com/office/powerpoint/2010/main" val="3734903375"/>
+      </p:ext>
+    </p:extLst>
+  </p:cSld>
+  <p:clrMapOvr>
+    <a:masterClrMapping/>
+  </p:clrMapOvr>
+  <p:timing>
+    <p:tnLst>
+      <p:par>
+        <p:cTn id="1" dur="indefinite" restart="never" nodeType="tmRoot"/>
+      </p:par>
+    </p:tnLst>
+  </p:timing>
+</p:sld>
+</file>
+
 <file path=ppt/theme/theme1.xml><?xml version="1.0" encoding="utf-8"?>
 <a:theme xmlns:a="http://schemas.openxmlformats.org/drawingml/2006/main" name="Nova">
   <a:themeElements>

--- a/assets/pycobytes.pptx
+++ b/assets/pycobytes.pptx
@@ -4952,8 +4952,8 @@
         </p:nvSpPr>
         <p:spPr>
           <a:xfrm>
-            <a:off x="4885267" y="3107267"/>
-            <a:ext cx="2319866" cy="1028700"/>
+            <a:off x="2082800" y="2675467"/>
+            <a:ext cx="7128933" cy="3013980"/>
           </a:xfrm>
           <a:prstGeom prst="rect">
             <a:avLst/>
@@ -4961,6 +4961,9 @@
           <a:solidFill>
             <a:srgbClr val="011627"/>
           </a:solidFill>
+          <a:ln>
+            <a:noFill/>
+          </a:ln>
         </p:spPr>
         <p:style>
           <a:lnRef idx="2">
@@ -4997,8 +5000,8 @@
         </p:nvSpPr>
         <p:spPr bwMode="auto">
           <a:xfrm>
-            <a:off x="5186296" y="3194987"/>
-            <a:ext cx="1819409" cy="468026"/>
+            <a:off x="3345247" y="2887211"/>
+            <a:ext cx="5501506" cy="1083579"/>
           </a:xfrm>
           <a:prstGeom prst="rect">
             <a:avLst/>
@@ -5058,7 +5061,7 @@
               <a:tabLst/>
             </a:pPr>
             <a:r>
-              <a:rPr kumimoji="0" lang="en-US" altLang="en-US" sz="1000" b="0" i="0" u="none" strike="noStrike" cap="none" normalizeH="0" baseline="0" dirty="0" smtClean="0">
+              <a:rPr kumimoji="0" lang="en-US" altLang="en-US" sz="3000" b="0" i="0" u="none" strike="noStrike" cap="none" normalizeH="0" baseline="0" dirty="0" smtClean="0">
                 <a:ln>
                   <a:noFill/>
                 </a:ln>
@@ -5071,7 +5074,7 @@
               <a:t>for</a:t>
             </a:r>
             <a:r>
-              <a:rPr kumimoji="0" lang="en-US" altLang="en-US" sz="1000" b="0" i="0" u="none" strike="noStrike" cap="none" normalizeH="0" baseline="0" dirty="0" smtClean="0">
+              <a:rPr kumimoji="0" lang="en-US" altLang="en-US" sz="3000" b="0" i="0" u="none" strike="noStrike" cap="none" normalizeH="0" baseline="0" dirty="0" smtClean="0">
                 <a:ln>
                   <a:noFill/>
                 </a:ln>
@@ -5084,7 +5087,7 @@
               <a:t> x </a:t>
             </a:r>
             <a:r>
-              <a:rPr kumimoji="0" lang="en-US" altLang="en-US" sz="1000" b="0" i="0" u="none" strike="noStrike" cap="none" normalizeH="0" baseline="0" dirty="0" smtClean="0">
+              <a:rPr kumimoji="0" lang="en-US" altLang="en-US" sz="3000" b="0" i="0" u="none" strike="noStrike" cap="none" normalizeH="0" baseline="0" dirty="0" smtClean="0">
                 <a:ln>
                   <a:noFill/>
                 </a:ln>
@@ -5097,7 +5100,7 @@
               <a:t>in</a:t>
             </a:r>
             <a:r>
-              <a:rPr kumimoji="0" lang="en-US" altLang="en-US" sz="1000" b="0" i="0" u="none" strike="noStrike" cap="none" normalizeH="0" baseline="0" dirty="0" smtClean="0">
+              <a:rPr kumimoji="0" lang="en-US" altLang="en-US" sz="3000" b="0" i="0" u="none" strike="noStrike" cap="none" normalizeH="0" baseline="0" dirty="0" smtClean="0">
                 <a:ln>
                   <a:noFill/>
                 </a:ln>
@@ -5110,7 +5113,7 @@
               <a:t> numbers</a:t>
             </a:r>
             <a:r>
-              <a:rPr kumimoji="0" lang="en-US" altLang="en-US" sz="1000" b="0" i="0" u="none" strike="noStrike" cap="none" normalizeH="0" baseline="0" dirty="0" smtClean="0">
+              <a:rPr kumimoji="0" lang="en-US" altLang="en-US" sz="3000" b="0" i="0" u="none" strike="noStrike" cap="none" normalizeH="0" baseline="0" dirty="0" smtClean="0">
                 <a:ln>
                   <a:noFill/>
                 </a:ln>
@@ -5143,7 +5146,7 @@
               <a:tabLst/>
             </a:pPr>
             <a:r>
-              <a:rPr lang="en-US" altLang="en-US" sz="1000" dirty="0">
+              <a:rPr lang="en-US" altLang="en-US" sz="3000" dirty="0">
                 <a:solidFill>
                   <a:srgbClr val="C792EA"/>
                 </a:solidFill>
@@ -5152,7 +5155,7 @@
               <a:t> </a:t>
             </a:r>
             <a:r>
-              <a:rPr lang="en-US" altLang="en-US" sz="1000" dirty="0" smtClean="0">
+              <a:rPr lang="en-US" altLang="en-US" sz="3000" dirty="0" smtClean="0">
                 <a:solidFill>
                   <a:srgbClr val="C792EA"/>
                 </a:solidFill>
@@ -5161,7 +5164,7 @@
               <a:t>   </a:t>
             </a:r>
             <a:r>
-              <a:rPr kumimoji="0" lang="en-US" altLang="en-US" sz="1000" b="0" i="0" u="none" strike="noStrike" cap="none" normalizeH="0" baseline="0" dirty="0" err="1" smtClean="0">
+              <a:rPr kumimoji="0" lang="en-US" altLang="en-US" sz="3000" b="0" i="0" u="none" strike="noStrike" cap="none" normalizeH="0" baseline="0" dirty="0" err="1" smtClean="0">
                 <a:ln>
                   <a:noFill/>
                 </a:ln>
@@ -5176,7 +5179,7 @@
               <a:t>result.append</a:t>
             </a:r>
             <a:r>
-              <a:rPr kumimoji="0" lang="en-US" altLang="en-US" sz="1000" b="0" i="0" u="none" strike="noStrike" cap="none" normalizeH="0" baseline="0" dirty="0" smtClean="0">
+              <a:rPr kumimoji="0" lang="en-US" altLang="en-US" sz="3000" b="0" i="0" u="none" strike="noStrike" cap="none" normalizeH="0" baseline="0" dirty="0" smtClean="0">
                 <a:ln>
                   <a:noFill/>
                 </a:ln>
@@ -5191,7 +5194,7 @@
               <a:t>(</a:t>
             </a:r>
             <a:r>
-              <a:rPr kumimoji="0" lang="en-US" altLang="en-US" sz="1000" b="0" i="0" u="none" strike="noStrike" cap="none" normalizeH="0" baseline="0" dirty="0" smtClean="0">
+              <a:rPr kumimoji="0" lang="en-US" altLang="en-US" sz="3000" b="0" i="0" u="none" strike="noStrike" cap="none" normalizeH="0" baseline="0" dirty="0" smtClean="0">
                 <a:ln>
                   <a:noFill/>
                 </a:ln>
@@ -5204,7 +5207,7 @@
               <a:t>x </a:t>
             </a:r>
             <a:r>
-              <a:rPr kumimoji="0" lang="en-US" altLang="en-US" sz="1000" b="0" i="0" u="none" strike="noStrike" cap="none" normalizeH="0" baseline="0" dirty="0" smtClean="0">
+              <a:rPr kumimoji="0" lang="en-US" altLang="en-US" sz="3000" b="0" i="0" u="none" strike="noStrike" cap="none" normalizeH="0" baseline="0" dirty="0" smtClean="0">
                 <a:ln>
                   <a:noFill/>
                 </a:ln>
@@ -5217,7 +5220,7 @@
               <a:t>**</a:t>
             </a:r>
             <a:r>
-              <a:rPr kumimoji="0" lang="en-US" altLang="en-US" sz="1000" b="0" i="0" u="none" strike="noStrike" cap="none" normalizeH="0" baseline="0" dirty="0" smtClean="0">
+              <a:rPr kumimoji="0" lang="en-US" altLang="en-US" sz="3000" b="0" i="0" u="none" strike="noStrike" cap="none" normalizeH="0" baseline="0" dirty="0" smtClean="0">
                 <a:ln>
                   <a:noFill/>
                 </a:ln>
@@ -5230,7 +5233,7 @@
               <a:t> </a:t>
             </a:r>
             <a:r>
-              <a:rPr kumimoji="0" lang="en-US" altLang="en-US" sz="1000" b="0" i="0" u="none" strike="noStrike" cap="none" normalizeH="0" baseline="0" dirty="0" smtClean="0">
+              <a:rPr kumimoji="0" lang="en-US" altLang="en-US" sz="3000" b="0" i="0" u="none" strike="noStrike" cap="none" normalizeH="0" baseline="0" dirty="0" smtClean="0">
                 <a:ln>
                   <a:noFill/>
                 </a:ln>
@@ -5243,7 +5246,7 @@
               <a:t>2</a:t>
             </a:r>
             <a:r>
-              <a:rPr kumimoji="0" lang="en-US" altLang="en-US" sz="1000" b="0" i="0" u="none" strike="noStrike" cap="none" normalizeH="0" baseline="0" dirty="0" smtClean="0">
+              <a:rPr kumimoji="0" lang="en-US" altLang="en-US" sz="3000" b="0" i="0" u="none" strike="noStrike" cap="none" normalizeH="0" baseline="0" dirty="0" smtClean="0">
                 <a:ln>
                   <a:noFill/>
                 </a:ln>
@@ -5258,7 +5261,7 @@
               <a:t>)</a:t>
             </a:r>
             <a:r>
-              <a:rPr kumimoji="0" lang="en-US" altLang="en-US" sz="800" b="0" i="0" u="none" strike="noStrike" cap="none" normalizeH="0" baseline="0" dirty="0" smtClean="0">
+              <a:rPr kumimoji="0" lang="en-US" altLang="en-US" sz="3000" b="0" i="0" u="none" strike="noStrike" cap="none" normalizeH="0" baseline="0" dirty="0" smtClean="0">
                 <a:ln>
                   <a:noFill/>
                 </a:ln>
@@ -5270,16 +5273,6 @@
               </a:rPr>
               <a:t> </a:t>
             </a:r>
-            <a:endParaRPr kumimoji="0" lang="en-US" altLang="en-US" sz="1800" b="0" i="0" u="none" strike="noStrike" cap="none" normalizeH="0" baseline="0" dirty="0" smtClean="0">
-              <a:ln>
-                <a:noFill/>
-              </a:ln>
-              <a:solidFill>
-                <a:schemeClr val="tx1"/>
-              </a:solidFill>
-              <a:effectLst/>
-              <a:latin typeface="Consolas" panose="020B0609020204030204" pitchFamily="49" charset="0"/>
-            </a:endParaRPr>
           </a:p>
         </p:txBody>
       </p:sp>
@@ -5291,8 +5284,8 @@
         </p:nvSpPr>
         <p:spPr>
           <a:xfrm>
-            <a:off x="5101167" y="3530600"/>
-            <a:ext cx="1515533" cy="489618"/>
+            <a:off x="2857948" y="3657600"/>
+            <a:ext cx="4897143" cy="1582103"/>
           </a:xfrm>
           <a:custGeom>
             <a:avLst/>
@@ -5348,7 +5341,7 @@
             </a:pathLst>
           </a:custGeom>
           <a:noFill/>
-          <a:ln w="19050">
+          <a:ln w="63500">
             <a:solidFill>
               <a:schemeClr val="accent6"/>
             </a:solidFill>
@@ -5388,13 +5381,13 @@
         </p:nvCxnSpPr>
         <p:spPr>
           <a:xfrm>
-            <a:off x="6421967" y="3611033"/>
-            <a:ext cx="486833" cy="0"/>
+            <a:off x="7072543" y="4034290"/>
+            <a:ext cx="1376276" cy="0"/>
           </a:xfrm>
           <a:prstGeom prst="line">
             <a:avLst/>
           </a:prstGeom>
-          <a:ln w="12700">
+          <a:ln w="50800">
             <a:solidFill>
               <a:schemeClr val="accent6"/>
             </a:solidFill>

--- a/assets/pycobytes.pptx
+++ b/assets/pycobytes.pptx
@@ -12,7 +12,8 @@
     <p:sldId id="260" r:id="rId6"/>
     <p:sldId id="262" r:id="rId7"/>
     <p:sldId id="259" r:id="rId8"/>
-    <p:sldId id="263" r:id="rId9"/>
+    <p:sldId id="264" r:id="rId9"/>
+    <p:sldId id="263" r:id="rId10"/>
   </p:sldIdLst>
   <p:sldSz cx="12192000" cy="6858000"/>
   <p:notesSz cx="6858000" cy="9144000"/>
@@ -4946,6 +4947,113 @@
       </p:grpSpPr>
       <p:sp>
         <p:nvSpPr>
+          <p:cNvPr id="5" name="Rectangle 4"/>
+          <p:cNvSpPr/>
+          <p:nvPr/>
+        </p:nvSpPr>
+        <p:spPr>
+          <a:xfrm>
+            <a:off x="0" y="565030"/>
+            <a:ext cx="12192000" cy="5727940"/>
+          </a:xfrm>
+          <a:prstGeom prst="rect">
+            <a:avLst/>
+          </a:prstGeom>
+          <a:solidFill>
+            <a:schemeClr val="tx1"/>
+          </a:solidFill>
+          <a:ln>
+            <a:noFill/>
+          </a:ln>
+        </p:spPr>
+        <p:style>
+          <a:lnRef idx="2">
+            <a:schemeClr val="accent1">
+              <a:shade val="50000"/>
+            </a:schemeClr>
+          </a:lnRef>
+          <a:fillRef idx="1">
+            <a:schemeClr val="accent1"/>
+          </a:fillRef>
+          <a:effectRef idx="0">
+            <a:schemeClr val="accent1"/>
+          </a:effectRef>
+          <a:fontRef idx="minor">
+            <a:schemeClr val="lt1"/>
+          </a:fontRef>
+        </p:style>
+        <p:txBody>
+          <a:bodyPr rtlCol="0" anchor="ctr"/>
+          <a:lstStyle/>
+          <a:p>
+            <a:pPr algn="ctr"/>
+            <a:endParaRPr lang="en-GB"/>
+          </a:p>
+        </p:txBody>
+      </p:sp>
+      <p:pic>
+        <p:nvPicPr>
+          <p:cNvPr id="4" name="Picture 3"/>
+          <p:cNvPicPr>
+            <a:picLocks noChangeAspect="1"/>
+          </p:cNvPicPr>
+          <p:nvPr/>
+        </p:nvPicPr>
+        <p:blipFill>
+          <a:blip r:embed="rId2"/>
+          <a:stretch>
+            <a:fillRect/>
+          </a:stretch>
+        </p:blipFill>
+        <p:spPr>
+          <a:xfrm>
+            <a:off x="1062038" y="1123950"/>
+            <a:ext cx="10067925" cy="4610100"/>
+          </a:xfrm>
+          <a:prstGeom prst="rect">
+            <a:avLst/>
+          </a:prstGeom>
+        </p:spPr>
+      </p:pic>
+    </p:spTree>
+    <p:extLst>
+      <p:ext uri="{BB962C8B-B14F-4D97-AF65-F5344CB8AC3E}">
+        <p14:creationId xmlns:p14="http://schemas.microsoft.com/office/powerpoint/2010/main" val="1353647218"/>
+      </p:ext>
+    </p:extLst>
+  </p:cSld>
+  <p:clrMapOvr>
+    <a:masterClrMapping/>
+  </p:clrMapOvr>
+  <p:timing>
+    <p:tnLst>
+      <p:par>
+        <p:cTn id="1" dur="indefinite" restart="never" nodeType="tmRoot"/>
+      </p:par>
+    </p:tnLst>
+  </p:timing>
+</p:sld>
+</file>
+
+<file path=ppt/slides/slide8.xml><?xml version="1.0" encoding="utf-8"?>
+<p:sld xmlns:a="http://schemas.openxmlformats.org/drawingml/2006/main" xmlns:r="http://schemas.openxmlformats.org/officeDocument/2006/relationships" xmlns:p="http://schemas.openxmlformats.org/presentationml/2006/main">
+  <p:cSld>
+    <p:spTree>
+      <p:nvGrpSpPr>
+        <p:cNvPr id="1" name=""/>
+        <p:cNvGrpSpPr/>
+        <p:nvPr/>
+      </p:nvGrpSpPr>
+      <p:grpSpPr>
+        <a:xfrm>
+          <a:off x="0" y="0"/>
+          <a:ext cx="0" cy="0"/>
+          <a:chOff x="0" y="0"/>
+          <a:chExt cx="0" cy="0"/>
+        </a:xfrm>
+      </p:grpSpPr>
+      <p:sp>
+        <p:nvSpPr>
           <p:cNvPr id="3" name="Rectangle 2"/>
           <p:cNvSpPr/>
           <p:nvPr/>

--- a/assets/pycobytes.pptx
+++ b/assets/pycobytes.pptx
@@ -6,14 +6,16 @@
     <p:sldMasterId id="2147483666" r:id="rId2"/>
   </p:sldMasterIdLst>
   <p:sldIdLst>
-    <p:sldId id="257" r:id="rId3"/>
-    <p:sldId id="258" r:id="rId4"/>
-    <p:sldId id="261" r:id="rId5"/>
-    <p:sldId id="260" r:id="rId6"/>
-    <p:sldId id="262" r:id="rId7"/>
-    <p:sldId id="259" r:id="rId8"/>
-    <p:sldId id="264" r:id="rId9"/>
-    <p:sldId id="263" r:id="rId10"/>
+    <p:sldId id="265" r:id="rId3"/>
+    <p:sldId id="257" r:id="rId4"/>
+    <p:sldId id="266" r:id="rId5"/>
+    <p:sldId id="258" r:id="rId6"/>
+    <p:sldId id="261" r:id="rId7"/>
+    <p:sldId id="260" r:id="rId8"/>
+    <p:sldId id="262" r:id="rId9"/>
+    <p:sldId id="259" r:id="rId10"/>
+    <p:sldId id="264" r:id="rId11"/>
+    <p:sldId id="263" r:id="rId12"/>
   </p:sldIdLst>
   <p:sldSz cx="12192000" cy="6858000"/>
   <p:notesSz cx="6858000" cy="9144000"/>
@@ -837,6 +839,948 @@
       </p:grpSpPr>
       <p:sp>
         <p:nvSpPr>
+          <p:cNvPr id="12" name="Rectangle 11"/>
+          <p:cNvSpPr/>
+          <p:nvPr/>
+        </p:nvSpPr>
+        <p:spPr>
+          <a:xfrm>
+            <a:off x="4873247" y="2284992"/>
+            <a:ext cx="2458528" cy="2458528"/>
+          </a:xfrm>
+          <a:prstGeom prst="rect">
+            <a:avLst/>
+          </a:prstGeom>
+          <a:noFill/>
+          <a:ln>
+            <a:noFill/>
+          </a:ln>
+        </p:spPr>
+        <p:style>
+          <a:lnRef idx="2">
+            <a:schemeClr val="accent1">
+              <a:shade val="50000"/>
+            </a:schemeClr>
+          </a:lnRef>
+          <a:fillRef idx="1">
+            <a:schemeClr val="accent1"/>
+          </a:fillRef>
+          <a:effectRef idx="0">
+            <a:schemeClr val="accent1"/>
+          </a:effectRef>
+          <a:fontRef idx="minor">
+            <a:schemeClr val="lt1"/>
+          </a:fontRef>
+        </p:style>
+        <p:txBody>
+          <a:bodyPr rtlCol="0" anchor="ctr"/>
+          <a:lstStyle/>
+          <a:p>
+            <a:pPr algn="ctr"/>
+            <a:endParaRPr lang="en-GB"/>
+          </a:p>
+        </p:txBody>
+      </p:sp>
+      <p:sp>
+        <p:nvSpPr>
+          <p:cNvPr id="14" name="Freeform 13"/>
+          <p:cNvSpPr/>
+          <p:nvPr/>
+        </p:nvSpPr>
+        <p:spPr>
+          <a:xfrm rot="20593713">
+            <a:off x="6092658" y="2465297"/>
+            <a:ext cx="733246" cy="1687857"/>
+          </a:xfrm>
+          <a:custGeom>
+            <a:avLst/>
+            <a:gdLst>
+              <a:gd name="connsiteX0" fmla="*/ 0 w 966159"/>
+              <a:gd name="connsiteY0" fmla="*/ 0 h 2027208"/>
+              <a:gd name="connsiteX1" fmla="*/ 0 w 966159"/>
+              <a:gd name="connsiteY1" fmla="*/ 1630393 h 2027208"/>
+              <a:gd name="connsiteX2" fmla="*/ 966159 w 966159"/>
+              <a:gd name="connsiteY2" fmla="*/ 2027208 h 2027208"/>
+              <a:gd name="connsiteX3" fmla="*/ 0 w 966159"/>
+              <a:gd name="connsiteY3" fmla="*/ 0 h 2027208"/>
+            </a:gdLst>
+            <a:ahLst/>
+            <a:cxnLst>
+              <a:cxn ang="0">
+                <a:pos x="connsiteX0" y="connsiteY0"/>
+              </a:cxn>
+              <a:cxn ang="0">
+                <a:pos x="connsiteX1" y="connsiteY1"/>
+              </a:cxn>
+              <a:cxn ang="0">
+                <a:pos x="connsiteX2" y="connsiteY2"/>
+              </a:cxn>
+              <a:cxn ang="0">
+                <a:pos x="connsiteX3" y="connsiteY3"/>
+              </a:cxn>
+            </a:cxnLst>
+            <a:rect l="l" t="t" r="r" b="b"/>
+            <a:pathLst>
+              <a:path w="966159" h="2027208">
+                <a:moveTo>
+                  <a:pt x="0" y="0"/>
+                </a:moveTo>
+                <a:lnTo>
+                  <a:pt x="0" y="1630393"/>
+                </a:lnTo>
+                <a:lnTo>
+                  <a:pt x="966159" y="2027208"/>
+                </a:lnTo>
+                <a:lnTo>
+                  <a:pt x="0" y="0"/>
+                </a:lnTo>
+                <a:close/>
+              </a:path>
+            </a:pathLst>
+          </a:custGeom>
+          <a:solidFill>
+            <a:schemeClr val="tx2">
+              <a:alpha val="50000"/>
+            </a:schemeClr>
+          </a:solidFill>
+          <a:ln>
+            <a:noFill/>
+          </a:ln>
+        </p:spPr>
+        <p:style>
+          <a:lnRef idx="2">
+            <a:schemeClr val="accent1">
+              <a:shade val="50000"/>
+            </a:schemeClr>
+          </a:lnRef>
+          <a:fillRef idx="1">
+            <a:schemeClr val="accent1"/>
+          </a:fillRef>
+          <a:effectRef idx="0">
+            <a:schemeClr val="accent1"/>
+          </a:effectRef>
+          <a:fontRef idx="minor">
+            <a:schemeClr val="lt1"/>
+          </a:fontRef>
+        </p:style>
+        <p:txBody>
+          <a:bodyPr rtlCol="0" anchor="ctr"/>
+          <a:lstStyle/>
+          <a:p>
+            <a:pPr algn="ctr"/>
+            <a:endParaRPr lang="en-GB"/>
+          </a:p>
+        </p:txBody>
+      </p:sp>
+      <p:sp>
+        <p:nvSpPr>
+          <p:cNvPr id="15" name="Freeform 14"/>
+          <p:cNvSpPr/>
+          <p:nvPr/>
+        </p:nvSpPr>
+        <p:spPr>
+          <a:xfrm rot="20593713" flipH="1">
+            <a:off x="5232370" y="2700780"/>
+            <a:ext cx="733246" cy="1687857"/>
+          </a:xfrm>
+          <a:custGeom>
+            <a:avLst/>
+            <a:gdLst>
+              <a:gd name="connsiteX0" fmla="*/ 0 w 966159"/>
+              <a:gd name="connsiteY0" fmla="*/ 0 h 2027208"/>
+              <a:gd name="connsiteX1" fmla="*/ 0 w 966159"/>
+              <a:gd name="connsiteY1" fmla="*/ 1630393 h 2027208"/>
+              <a:gd name="connsiteX2" fmla="*/ 966159 w 966159"/>
+              <a:gd name="connsiteY2" fmla="*/ 2027208 h 2027208"/>
+              <a:gd name="connsiteX3" fmla="*/ 0 w 966159"/>
+              <a:gd name="connsiteY3" fmla="*/ 0 h 2027208"/>
+            </a:gdLst>
+            <a:ahLst/>
+            <a:cxnLst>
+              <a:cxn ang="0">
+                <a:pos x="connsiteX0" y="connsiteY0"/>
+              </a:cxn>
+              <a:cxn ang="0">
+                <a:pos x="connsiteX1" y="connsiteY1"/>
+              </a:cxn>
+              <a:cxn ang="0">
+                <a:pos x="connsiteX2" y="connsiteY2"/>
+              </a:cxn>
+              <a:cxn ang="0">
+                <a:pos x="connsiteX3" y="connsiteY3"/>
+              </a:cxn>
+            </a:cxnLst>
+            <a:rect l="l" t="t" r="r" b="b"/>
+            <a:pathLst>
+              <a:path w="966159" h="2027208">
+                <a:moveTo>
+                  <a:pt x="0" y="0"/>
+                </a:moveTo>
+                <a:lnTo>
+                  <a:pt x="0" y="1630393"/>
+                </a:lnTo>
+                <a:lnTo>
+                  <a:pt x="966159" y="2027208"/>
+                </a:lnTo>
+                <a:lnTo>
+                  <a:pt x="0" y="0"/>
+                </a:lnTo>
+                <a:close/>
+              </a:path>
+            </a:pathLst>
+          </a:custGeom>
+          <a:solidFill>
+            <a:schemeClr val="tx2">
+              <a:alpha val="50000"/>
+            </a:schemeClr>
+          </a:solidFill>
+          <a:ln>
+            <a:noFill/>
+          </a:ln>
+        </p:spPr>
+        <p:style>
+          <a:lnRef idx="2">
+            <a:schemeClr val="accent1">
+              <a:shade val="50000"/>
+            </a:schemeClr>
+          </a:lnRef>
+          <a:fillRef idx="1">
+            <a:schemeClr val="accent1"/>
+          </a:fillRef>
+          <a:effectRef idx="0">
+            <a:schemeClr val="accent1"/>
+          </a:effectRef>
+          <a:fontRef idx="minor">
+            <a:schemeClr val="lt1"/>
+          </a:fontRef>
+        </p:style>
+        <p:txBody>
+          <a:bodyPr rtlCol="0" anchor="ctr"/>
+          <a:lstStyle/>
+          <a:p>
+            <a:pPr algn="ctr"/>
+            <a:endParaRPr lang="en-GB"/>
+          </a:p>
+        </p:txBody>
+      </p:sp>
+      <p:sp>
+        <p:nvSpPr>
+          <p:cNvPr id="6" name="Freeform 5"/>
+          <p:cNvSpPr/>
+          <p:nvPr/>
+        </p:nvSpPr>
+        <p:spPr>
+          <a:xfrm rot="20593713">
+            <a:off x="5967657" y="2380767"/>
+            <a:ext cx="733246" cy="1687857"/>
+          </a:xfrm>
+          <a:custGeom>
+            <a:avLst/>
+            <a:gdLst>
+              <a:gd name="connsiteX0" fmla="*/ 0 w 966159"/>
+              <a:gd name="connsiteY0" fmla="*/ 0 h 2027208"/>
+              <a:gd name="connsiteX1" fmla="*/ 0 w 966159"/>
+              <a:gd name="connsiteY1" fmla="*/ 1630393 h 2027208"/>
+              <a:gd name="connsiteX2" fmla="*/ 966159 w 966159"/>
+              <a:gd name="connsiteY2" fmla="*/ 2027208 h 2027208"/>
+              <a:gd name="connsiteX3" fmla="*/ 0 w 966159"/>
+              <a:gd name="connsiteY3" fmla="*/ 0 h 2027208"/>
+            </a:gdLst>
+            <a:ahLst/>
+            <a:cxnLst>
+              <a:cxn ang="0">
+                <a:pos x="connsiteX0" y="connsiteY0"/>
+              </a:cxn>
+              <a:cxn ang="0">
+                <a:pos x="connsiteX1" y="connsiteY1"/>
+              </a:cxn>
+              <a:cxn ang="0">
+                <a:pos x="connsiteX2" y="connsiteY2"/>
+              </a:cxn>
+              <a:cxn ang="0">
+                <a:pos x="connsiteX3" y="connsiteY3"/>
+              </a:cxn>
+            </a:cxnLst>
+            <a:rect l="l" t="t" r="r" b="b"/>
+            <a:pathLst>
+              <a:path w="966159" h="2027208">
+                <a:moveTo>
+                  <a:pt x="0" y="0"/>
+                </a:moveTo>
+                <a:lnTo>
+                  <a:pt x="0" y="1630393"/>
+                </a:lnTo>
+                <a:lnTo>
+                  <a:pt x="966159" y="2027208"/>
+                </a:lnTo>
+                <a:lnTo>
+                  <a:pt x="0" y="0"/>
+                </a:lnTo>
+                <a:close/>
+              </a:path>
+            </a:pathLst>
+          </a:custGeom>
+          <a:solidFill>
+            <a:schemeClr val="accent6"/>
+          </a:solidFill>
+          <a:ln>
+            <a:noFill/>
+          </a:ln>
+        </p:spPr>
+        <p:style>
+          <a:lnRef idx="2">
+            <a:schemeClr val="accent1">
+              <a:shade val="50000"/>
+            </a:schemeClr>
+          </a:lnRef>
+          <a:fillRef idx="1">
+            <a:schemeClr val="accent1"/>
+          </a:fillRef>
+          <a:effectRef idx="0">
+            <a:schemeClr val="accent1"/>
+          </a:effectRef>
+          <a:fontRef idx="minor">
+            <a:schemeClr val="lt1"/>
+          </a:fontRef>
+        </p:style>
+        <p:txBody>
+          <a:bodyPr rtlCol="0" anchor="ctr"/>
+          <a:lstStyle/>
+          <a:p>
+            <a:pPr algn="ctr"/>
+            <a:endParaRPr lang="en-GB"/>
+          </a:p>
+        </p:txBody>
+      </p:sp>
+      <p:sp>
+        <p:nvSpPr>
+          <p:cNvPr id="7" name="Freeform 6"/>
+          <p:cNvSpPr/>
+          <p:nvPr/>
+        </p:nvSpPr>
+        <p:spPr>
+          <a:xfrm rot="20593713" flipH="1">
+            <a:off x="5149966" y="2627198"/>
+            <a:ext cx="733246" cy="1687857"/>
+          </a:xfrm>
+          <a:custGeom>
+            <a:avLst/>
+            <a:gdLst>
+              <a:gd name="connsiteX0" fmla="*/ 0 w 966159"/>
+              <a:gd name="connsiteY0" fmla="*/ 0 h 2027208"/>
+              <a:gd name="connsiteX1" fmla="*/ 0 w 966159"/>
+              <a:gd name="connsiteY1" fmla="*/ 1630393 h 2027208"/>
+              <a:gd name="connsiteX2" fmla="*/ 966159 w 966159"/>
+              <a:gd name="connsiteY2" fmla="*/ 2027208 h 2027208"/>
+              <a:gd name="connsiteX3" fmla="*/ 0 w 966159"/>
+              <a:gd name="connsiteY3" fmla="*/ 0 h 2027208"/>
+            </a:gdLst>
+            <a:ahLst/>
+            <a:cxnLst>
+              <a:cxn ang="0">
+                <a:pos x="connsiteX0" y="connsiteY0"/>
+              </a:cxn>
+              <a:cxn ang="0">
+                <a:pos x="connsiteX1" y="connsiteY1"/>
+              </a:cxn>
+              <a:cxn ang="0">
+                <a:pos x="connsiteX2" y="connsiteY2"/>
+              </a:cxn>
+              <a:cxn ang="0">
+                <a:pos x="connsiteX3" y="connsiteY3"/>
+              </a:cxn>
+            </a:cxnLst>
+            <a:rect l="l" t="t" r="r" b="b"/>
+            <a:pathLst>
+              <a:path w="966159" h="2027208">
+                <a:moveTo>
+                  <a:pt x="0" y="0"/>
+                </a:moveTo>
+                <a:lnTo>
+                  <a:pt x="0" y="1630393"/>
+                </a:lnTo>
+                <a:lnTo>
+                  <a:pt x="966159" y="2027208"/>
+                </a:lnTo>
+                <a:lnTo>
+                  <a:pt x="0" y="0"/>
+                </a:lnTo>
+                <a:close/>
+              </a:path>
+            </a:pathLst>
+          </a:custGeom>
+          <a:solidFill>
+            <a:srgbClr val="2581D8"/>
+          </a:solidFill>
+          <a:ln>
+            <a:noFill/>
+          </a:ln>
+        </p:spPr>
+        <p:style>
+          <a:lnRef idx="2">
+            <a:schemeClr val="accent1">
+              <a:shade val="50000"/>
+            </a:schemeClr>
+          </a:lnRef>
+          <a:fillRef idx="1">
+            <a:schemeClr val="accent1"/>
+          </a:fillRef>
+          <a:effectRef idx="0">
+            <a:schemeClr val="accent1"/>
+          </a:effectRef>
+          <a:fontRef idx="minor">
+            <a:schemeClr val="lt1"/>
+          </a:fontRef>
+        </p:style>
+        <p:txBody>
+          <a:bodyPr rtlCol="0" anchor="ctr"/>
+          <a:lstStyle/>
+          <a:p>
+            <a:pPr algn="ctr"/>
+            <a:endParaRPr lang="en-GB"/>
+          </a:p>
+        </p:txBody>
+      </p:sp>
+    </p:spTree>
+    <p:extLst>
+      <p:ext uri="{BB962C8B-B14F-4D97-AF65-F5344CB8AC3E}">
+        <p14:creationId xmlns:p14="http://schemas.microsoft.com/office/powerpoint/2010/main" val="2255733839"/>
+      </p:ext>
+    </p:extLst>
+  </p:cSld>
+  <p:clrMapOvr>
+    <a:masterClrMapping/>
+  </p:clrMapOvr>
+  <p:timing>
+    <p:tnLst>
+      <p:par>
+        <p:cTn id="1" dur="indefinite" restart="never" nodeType="tmRoot"/>
+      </p:par>
+    </p:tnLst>
+  </p:timing>
+</p:sld>
+</file>
+
+<file path=ppt/slides/slide10.xml><?xml version="1.0" encoding="utf-8"?>
+<p:sld xmlns:a="http://schemas.openxmlformats.org/drawingml/2006/main" xmlns:r="http://schemas.openxmlformats.org/officeDocument/2006/relationships" xmlns:p="http://schemas.openxmlformats.org/presentationml/2006/main">
+  <p:cSld>
+    <p:spTree>
+      <p:nvGrpSpPr>
+        <p:cNvPr id="1" name=""/>
+        <p:cNvGrpSpPr/>
+        <p:nvPr/>
+      </p:nvGrpSpPr>
+      <p:grpSpPr>
+        <a:xfrm>
+          <a:off x="0" y="0"/>
+          <a:ext cx="0" cy="0"/>
+          <a:chOff x="0" y="0"/>
+          <a:chExt cx="0" cy="0"/>
+        </a:xfrm>
+      </p:grpSpPr>
+      <p:sp>
+        <p:nvSpPr>
+          <p:cNvPr id="3" name="Rectangle 2"/>
+          <p:cNvSpPr/>
+          <p:nvPr/>
+        </p:nvSpPr>
+        <p:spPr>
+          <a:xfrm>
+            <a:off x="2082800" y="2675467"/>
+            <a:ext cx="7128933" cy="3013980"/>
+          </a:xfrm>
+          <a:prstGeom prst="rect">
+            <a:avLst/>
+          </a:prstGeom>
+          <a:solidFill>
+            <a:srgbClr val="011627"/>
+          </a:solidFill>
+          <a:ln>
+            <a:noFill/>
+          </a:ln>
+        </p:spPr>
+        <p:style>
+          <a:lnRef idx="2">
+            <a:schemeClr val="accent1">
+              <a:shade val="50000"/>
+            </a:schemeClr>
+          </a:lnRef>
+          <a:fillRef idx="1">
+            <a:schemeClr val="accent1"/>
+          </a:fillRef>
+          <a:effectRef idx="0">
+            <a:schemeClr val="accent1"/>
+          </a:effectRef>
+          <a:fontRef idx="minor">
+            <a:schemeClr val="lt1"/>
+          </a:fontRef>
+        </p:style>
+        <p:txBody>
+          <a:bodyPr rtlCol="0" anchor="ctr"/>
+          <a:lstStyle/>
+          <a:p>
+            <a:pPr algn="ctr"/>
+            <a:endParaRPr lang="en-GB"/>
+          </a:p>
+        </p:txBody>
+      </p:sp>
+      <p:sp>
+        <p:nvSpPr>
+          <p:cNvPr id="2" name="Rectangle 1"/>
+          <p:cNvSpPr>
+            <a:spLocks noChangeArrowheads="1"/>
+          </p:cNvSpPr>
+          <p:nvPr/>
+        </p:nvSpPr>
+        <p:spPr bwMode="auto">
+          <a:xfrm>
+            <a:off x="3345247" y="2887211"/>
+            <a:ext cx="5501506" cy="1083579"/>
+          </a:xfrm>
+          <a:prstGeom prst="rect">
+            <a:avLst/>
+          </a:prstGeom>
+          <a:solidFill>
+            <a:srgbClr val="011627"/>
+          </a:solidFill>
+          <a:ln>
+            <a:noFill/>
+          </a:ln>
+          <a:effectLst/>
+          <a:extLst>
+            <a:ext uri="{91240B29-F687-4F45-9708-019B960494DF}">
+              <a14:hiddenLine xmlns:a14="http://schemas.microsoft.com/office/drawing/2010/main" w="9525">
+                <a:solidFill>
+                  <a:schemeClr val="tx1"/>
+                </a:solidFill>
+                <a:miter lim="800000"/>
+                <a:headEnd/>
+                <a:tailEnd/>
+              </a14:hiddenLine>
+            </a:ext>
+            <a:ext uri="{AF507438-7753-43E0-B8FC-AC1667EBCBE1}">
+              <a14:hiddenEffects xmlns:a14="http://schemas.microsoft.com/office/drawing/2010/main">
+                <a:effectLst>
+                  <a:outerShdw dist="35921" dir="2700000" algn="ctr" rotWithShape="0">
+                    <a:schemeClr val="bg2"/>
+                  </a:outerShdw>
+                </a:effectLst>
+              </a14:hiddenEffects>
+            </a:ext>
+          </a:extLst>
+        </p:spPr>
+        <p:txBody>
+          <a:bodyPr vert="horz" wrap="none" lIns="0" tIns="79350" rIns="0" bIns="79350" numCol="1" anchor="ctr" anchorCtr="0" compatLnSpc="1">
+            <a:prstTxWarp prst="textNoShape">
+              <a:avLst/>
+            </a:prstTxWarp>
+            <a:spAutoFit/>
+          </a:bodyPr>
+          <a:lstStyle/>
+          <a:p>
+            <a:pPr marL="0" marR="0" lvl="0" indent="0" algn="l" defTabSz="914400" rtl="0" eaLnBrk="0" fontAlgn="base" latinLnBrk="0" hangingPunct="0">
+              <a:lnSpc>
+                <a:spcPct val="100000"/>
+              </a:lnSpc>
+              <a:spcBef>
+                <a:spcPct val="0"/>
+              </a:spcBef>
+              <a:spcAft>
+                <a:spcPct val="0"/>
+              </a:spcAft>
+              <a:buClrTx/>
+              <a:buSzTx/>
+              <a:buFontTx/>
+              <a:buNone/>
+              <a:tabLst/>
+            </a:pPr>
+            <a:r>
+              <a:rPr kumimoji="0" lang="en-US" altLang="en-US" sz="3000" b="0" i="0" u="none" strike="noStrike" cap="none" normalizeH="0" baseline="0" dirty="0" smtClean="0">
+                <a:ln>
+                  <a:noFill/>
+                </a:ln>
+                <a:solidFill>
+                  <a:srgbClr val="7FDBCA"/>
+                </a:solidFill>
+                <a:effectLst/>
+                <a:latin typeface="Consolas" panose="020B0609020204030204" pitchFamily="49" charset="0"/>
+              </a:rPr>
+              <a:t>for</a:t>
+            </a:r>
+            <a:r>
+              <a:rPr kumimoji="0" lang="en-US" altLang="en-US" sz="3000" b="0" i="0" u="none" strike="noStrike" cap="none" normalizeH="0" baseline="0" dirty="0" smtClean="0">
+                <a:ln>
+                  <a:noFill/>
+                </a:ln>
+                <a:solidFill>
+                  <a:srgbClr val="D6DEEB"/>
+                </a:solidFill>
+                <a:effectLst/>
+                <a:latin typeface="Consolas" panose="020B0609020204030204" pitchFamily="49" charset="0"/>
+              </a:rPr>
+              <a:t> x </a:t>
+            </a:r>
+            <a:r>
+              <a:rPr kumimoji="0" lang="en-US" altLang="en-US" sz="3000" b="0" i="0" u="none" strike="noStrike" cap="none" normalizeH="0" baseline="0" dirty="0" smtClean="0">
+                <a:ln>
+                  <a:noFill/>
+                </a:ln>
+                <a:solidFill>
+                  <a:srgbClr val="7FDBCA"/>
+                </a:solidFill>
+                <a:effectLst/>
+                <a:latin typeface="Consolas" panose="020B0609020204030204" pitchFamily="49" charset="0"/>
+              </a:rPr>
+              <a:t>in</a:t>
+            </a:r>
+            <a:r>
+              <a:rPr kumimoji="0" lang="en-US" altLang="en-US" sz="3000" b="0" i="0" u="none" strike="noStrike" cap="none" normalizeH="0" baseline="0" dirty="0" smtClean="0">
+                <a:ln>
+                  <a:noFill/>
+                </a:ln>
+                <a:solidFill>
+                  <a:srgbClr val="D6DEEB"/>
+                </a:solidFill>
+                <a:effectLst/>
+                <a:latin typeface="Consolas" panose="020B0609020204030204" pitchFamily="49" charset="0"/>
+              </a:rPr>
+              <a:t> numbers</a:t>
+            </a:r>
+            <a:r>
+              <a:rPr kumimoji="0" lang="en-US" altLang="en-US" sz="3000" b="0" i="0" u="none" strike="noStrike" cap="none" normalizeH="0" baseline="0" dirty="0" smtClean="0">
+                <a:ln>
+                  <a:noFill/>
+                </a:ln>
+                <a:solidFill>
+                  <a:schemeClr val="tx2">
+                    <a:lumMod val="75000"/>
+                  </a:schemeClr>
+                </a:solidFill>
+                <a:effectLst/>
+                <a:latin typeface="Consolas" panose="020B0609020204030204" pitchFamily="49" charset="0"/>
+              </a:rPr>
+              <a:t>:</a:t>
+            </a:r>
+          </a:p>
+          <a:p>
+            <a:pPr marL="0" marR="0" lvl="0" indent="0" algn="l" defTabSz="914400" rtl="0" eaLnBrk="0" fontAlgn="base" latinLnBrk="0" hangingPunct="0">
+              <a:lnSpc>
+                <a:spcPct val="100000"/>
+              </a:lnSpc>
+              <a:spcBef>
+                <a:spcPct val="0"/>
+              </a:spcBef>
+              <a:spcAft>
+                <a:spcPct val="0"/>
+              </a:spcAft>
+              <a:buClrTx/>
+              <a:buSzTx/>
+              <a:buFontTx/>
+              <a:buNone/>
+              <a:tabLst/>
+            </a:pPr>
+            <a:r>
+              <a:rPr lang="en-US" altLang="en-US" sz="3000" dirty="0">
+                <a:solidFill>
+                  <a:srgbClr val="C792EA"/>
+                </a:solidFill>
+                <a:latin typeface="Consolas" panose="020B0609020204030204" pitchFamily="49" charset="0"/>
+              </a:rPr>
+              <a:t> </a:t>
+            </a:r>
+            <a:r>
+              <a:rPr lang="en-US" altLang="en-US" sz="3000" dirty="0" smtClean="0">
+                <a:solidFill>
+                  <a:srgbClr val="C792EA"/>
+                </a:solidFill>
+                <a:latin typeface="Consolas" panose="020B0609020204030204" pitchFamily="49" charset="0"/>
+              </a:rPr>
+              <a:t>   </a:t>
+            </a:r>
+            <a:r>
+              <a:rPr kumimoji="0" lang="en-US" altLang="en-US" sz="3000" b="0" i="0" u="none" strike="noStrike" cap="none" normalizeH="0" baseline="0" dirty="0" err="1" smtClean="0">
+                <a:ln>
+                  <a:noFill/>
+                </a:ln>
+                <a:solidFill>
+                  <a:schemeClr val="tx2">
+                    <a:lumMod val="75000"/>
+                  </a:schemeClr>
+                </a:solidFill>
+                <a:effectLst/>
+                <a:latin typeface="Consolas" panose="020B0609020204030204" pitchFamily="49" charset="0"/>
+              </a:rPr>
+              <a:t>result.append</a:t>
+            </a:r>
+            <a:r>
+              <a:rPr kumimoji="0" lang="en-US" altLang="en-US" sz="3000" b="0" i="0" u="none" strike="noStrike" cap="none" normalizeH="0" baseline="0" dirty="0" smtClean="0">
+                <a:ln>
+                  <a:noFill/>
+                </a:ln>
+                <a:solidFill>
+                  <a:schemeClr val="tx2">
+                    <a:lumMod val="75000"/>
+                  </a:schemeClr>
+                </a:solidFill>
+                <a:effectLst/>
+                <a:latin typeface="Consolas" panose="020B0609020204030204" pitchFamily="49" charset="0"/>
+              </a:rPr>
+              <a:t>(</a:t>
+            </a:r>
+            <a:r>
+              <a:rPr kumimoji="0" lang="en-US" altLang="en-US" sz="3000" b="0" i="0" u="none" strike="noStrike" cap="none" normalizeH="0" baseline="0" dirty="0" smtClean="0">
+                <a:ln>
+                  <a:noFill/>
+                </a:ln>
+                <a:solidFill>
+                  <a:srgbClr val="D6DEEB"/>
+                </a:solidFill>
+                <a:effectLst/>
+                <a:latin typeface="Consolas" panose="020B0609020204030204" pitchFamily="49" charset="0"/>
+              </a:rPr>
+              <a:t>x </a:t>
+            </a:r>
+            <a:r>
+              <a:rPr kumimoji="0" lang="en-US" altLang="en-US" sz="3000" b="0" i="0" u="none" strike="noStrike" cap="none" normalizeH="0" baseline="0" dirty="0" smtClean="0">
+                <a:ln>
+                  <a:noFill/>
+                </a:ln>
+                <a:solidFill>
+                  <a:srgbClr val="7FDBCA"/>
+                </a:solidFill>
+                <a:effectLst/>
+                <a:latin typeface="Consolas" panose="020B0609020204030204" pitchFamily="49" charset="0"/>
+              </a:rPr>
+              <a:t>**</a:t>
+            </a:r>
+            <a:r>
+              <a:rPr kumimoji="0" lang="en-US" altLang="en-US" sz="3000" b="0" i="0" u="none" strike="noStrike" cap="none" normalizeH="0" baseline="0" dirty="0" smtClean="0">
+                <a:ln>
+                  <a:noFill/>
+                </a:ln>
+                <a:solidFill>
+                  <a:srgbClr val="D6DEEB"/>
+                </a:solidFill>
+                <a:effectLst/>
+                <a:latin typeface="Consolas" panose="020B0609020204030204" pitchFamily="49" charset="0"/>
+              </a:rPr>
+              <a:t> </a:t>
+            </a:r>
+            <a:r>
+              <a:rPr kumimoji="0" lang="en-US" altLang="en-US" sz="3000" b="0" i="0" u="none" strike="noStrike" cap="none" normalizeH="0" baseline="0" dirty="0" smtClean="0">
+                <a:ln>
+                  <a:noFill/>
+                </a:ln>
+                <a:solidFill>
+                  <a:srgbClr val="F78C6C"/>
+                </a:solidFill>
+                <a:effectLst/>
+                <a:latin typeface="Consolas" panose="020B0609020204030204" pitchFamily="49" charset="0"/>
+              </a:rPr>
+              <a:t>2</a:t>
+            </a:r>
+            <a:r>
+              <a:rPr kumimoji="0" lang="en-US" altLang="en-US" sz="3000" b="0" i="0" u="none" strike="noStrike" cap="none" normalizeH="0" baseline="0" dirty="0" smtClean="0">
+                <a:ln>
+                  <a:noFill/>
+                </a:ln>
+                <a:solidFill>
+                  <a:schemeClr val="tx2">
+                    <a:lumMod val="75000"/>
+                  </a:schemeClr>
+                </a:solidFill>
+                <a:effectLst/>
+                <a:latin typeface="Consolas" panose="020B0609020204030204" pitchFamily="49" charset="0"/>
+              </a:rPr>
+              <a:t>)</a:t>
+            </a:r>
+            <a:r>
+              <a:rPr kumimoji="0" lang="en-US" altLang="en-US" sz="3000" b="0" i="0" u="none" strike="noStrike" cap="none" normalizeH="0" baseline="0" dirty="0" smtClean="0">
+                <a:ln>
+                  <a:noFill/>
+                </a:ln>
+                <a:solidFill>
+                  <a:schemeClr val="tx1"/>
+                </a:solidFill>
+                <a:effectLst/>
+                <a:latin typeface="Consolas" panose="020B0609020204030204" pitchFamily="49" charset="0"/>
+              </a:rPr>
+              <a:t> </a:t>
+            </a:r>
+          </a:p>
+        </p:txBody>
+      </p:sp>
+      <p:sp>
+        <p:nvSpPr>
+          <p:cNvPr id="6" name="Freeform 5"/>
+          <p:cNvSpPr/>
+          <p:nvPr/>
+        </p:nvSpPr>
+        <p:spPr>
+          <a:xfrm>
+            <a:off x="2857948" y="3657600"/>
+            <a:ext cx="4897143" cy="1582103"/>
+          </a:xfrm>
+          <a:custGeom>
+            <a:avLst/>
+            <a:gdLst>
+              <a:gd name="connsiteX0" fmla="*/ 1515533 w 1515533"/>
+              <a:gd name="connsiteY0" fmla="*/ 169333 h 452104"/>
+              <a:gd name="connsiteX1" fmla="*/ 817033 w 1515533"/>
+              <a:gd name="connsiteY1" fmla="*/ 448733 h 452104"/>
+              <a:gd name="connsiteX2" fmla="*/ 0 w 1515533"/>
+              <a:gd name="connsiteY2" fmla="*/ 0 h 452104"/>
+              <a:gd name="connsiteX0" fmla="*/ 1515533 w 1515533"/>
+              <a:gd name="connsiteY0" fmla="*/ 169333 h 489618"/>
+              <a:gd name="connsiteX1" fmla="*/ 757767 w 1515533"/>
+              <a:gd name="connsiteY1" fmla="*/ 486833 h 489618"/>
+              <a:gd name="connsiteX2" fmla="*/ 0 w 1515533"/>
+              <a:gd name="connsiteY2" fmla="*/ 0 h 489618"/>
+              <a:gd name="connsiteX0" fmla="*/ 1515533 w 1515533"/>
+              <a:gd name="connsiteY0" fmla="*/ 169333 h 489618"/>
+              <a:gd name="connsiteX1" fmla="*/ 757767 w 1515533"/>
+              <a:gd name="connsiteY1" fmla="*/ 486833 h 489618"/>
+              <a:gd name="connsiteX2" fmla="*/ 0 w 1515533"/>
+              <a:gd name="connsiteY2" fmla="*/ 0 h 489618"/>
+            </a:gdLst>
+            <a:ahLst/>
+            <a:cxnLst>
+              <a:cxn ang="0">
+                <a:pos x="connsiteX0" y="connsiteY0"/>
+              </a:cxn>
+              <a:cxn ang="0">
+                <a:pos x="connsiteX1" y="connsiteY1"/>
+              </a:cxn>
+              <a:cxn ang="0">
+                <a:pos x="connsiteX2" y="connsiteY2"/>
+              </a:cxn>
+            </a:cxnLst>
+            <a:rect l="l" t="t" r="r" b="b"/>
+            <a:pathLst>
+              <a:path w="1515533" h="489618">
+                <a:moveTo>
+                  <a:pt x="1515533" y="169333"/>
+                </a:moveTo>
+                <a:cubicBezTo>
+                  <a:pt x="1292577" y="323144"/>
+                  <a:pt x="1010356" y="515055"/>
+                  <a:pt x="757767" y="486833"/>
+                </a:cubicBezTo>
+                <a:cubicBezTo>
+                  <a:pt x="505178" y="458611"/>
+                  <a:pt x="282222" y="320322"/>
+                  <a:pt x="0" y="0"/>
+                </a:cubicBezTo>
+              </a:path>
+            </a:pathLst>
+          </a:custGeom>
+          <a:noFill/>
+          <a:ln w="63500">
+            <a:solidFill>
+              <a:schemeClr val="accent6"/>
+            </a:solidFill>
+            <a:tailEnd type="arrow"/>
+          </a:ln>
+        </p:spPr>
+        <p:style>
+          <a:lnRef idx="2">
+            <a:schemeClr val="accent1">
+              <a:shade val="50000"/>
+            </a:schemeClr>
+          </a:lnRef>
+          <a:fillRef idx="1">
+            <a:schemeClr val="accent1"/>
+          </a:fillRef>
+          <a:effectRef idx="0">
+            <a:schemeClr val="accent1"/>
+          </a:effectRef>
+          <a:fontRef idx="minor">
+            <a:schemeClr val="lt1"/>
+          </a:fontRef>
+        </p:style>
+        <p:txBody>
+          <a:bodyPr rtlCol="0" anchor="ctr"/>
+          <a:lstStyle/>
+          <a:p>
+            <a:pPr algn="ctr"/>
+            <a:endParaRPr lang="en-GB"/>
+          </a:p>
+        </p:txBody>
+      </p:sp>
+      <p:cxnSp>
+        <p:nvCxnSpPr>
+          <p:cNvPr id="8" name="Straight Connector 7"/>
+          <p:cNvCxnSpPr/>
+          <p:nvPr/>
+        </p:nvCxnSpPr>
+        <p:spPr>
+          <a:xfrm>
+            <a:off x="7072543" y="4034290"/>
+            <a:ext cx="1376276" cy="0"/>
+          </a:xfrm>
+          <a:prstGeom prst="line">
+            <a:avLst/>
+          </a:prstGeom>
+          <a:ln w="50800">
+            <a:solidFill>
+              <a:schemeClr val="accent6"/>
+            </a:solidFill>
+          </a:ln>
+        </p:spPr>
+        <p:style>
+          <a:lnRef idx="1">
+            <a:schemeClr val="accent1"/>
+          </a:lnRef>
+          <a:fillRef idx="0">
+            <a:schemeClr val="accent1"/>
+          </a:fillRef>
+          <a:effectRef idx="0">
+            <a:schemeClr val="accent1"/>
+          </a:effectRef>
+          <a:fontRef idx="minor">
+            <a:schemeClr val="tx1"/>
+          </a:fontRef>
+        </p:style>
+      </p:cxnSp>
+    </p:spTree>
+    <p:extLst>
+      <p:ext uri="{BB962C8B-B14F-4D97-AF65-F5344CB8AC3E}">
+        <p14:creationId xmlns:p14="http://schemas.microsoft.com/office/powerpoint/2010/main" val="3734903375"/>
+      </p:ext>
+    </p:extLst>
+  </p:cSld>
+  <p:clrMapOvr>
+    <a:masterClrMapping/>
+  </p:clrMapOvr>
+  <p:timing>
+    <p:tnLst>
+      <p:par>
+        <p:cTn id="1" dur="indefinite" restart="never" nodeType="tmRoot"/>
+      </p:par>
+    </p:tnLst>
+  </p:timing>
+</p:sld>
+</file>
+
+<file path=ppt/slides/slide2.xml><?xml version="1.0" encoding="utf-8"?>
+<p:sld xmlns:a="http://schemas.openxmlformats.org/drawingml/2006/main" xmlns:r="http://schemas.openxmlformats.org/officeDocument/2006/relationships" xmlns:p="http://schemas.openxmlformats.org/presentationml/2006/main">
+  <p:cSld>
+    <p:spTree>
+      <p:nvGrpSpPr>
+        <p:cNvPr id="1" name=""/>
+        <p:cNvGrpSpPr/>
+        <p:nvPr/>
+      </p:nvGrpSpPr>
+      <p:grpSpPr>
+        <a:xfrm>
+          <a:off x="0" y="0"/>
+          <a:ext cx="0" cy="0"/>
+          <a:chOff x="0" y="0"/>
+          <a:chExt cx="0" cy="0"/>
+        </a:xfrm>
+      </p:grpSpPr>
+      <p:sp>
+        <p:nvSpPr>
           <p:cNvPr id="14" name="Freeform 13"/>
           <p:cNvSpPr/>
           <p:nvPr/>
@@ -1208,7 +2152,7 @@
             </a:pathLst>
           </a:custGeom>
           <a:solidFill>
-            <a:schemeClr val="accent1"/>
+            <a:srgbClr val="1C8CEE"/>
           </a:solidFill>
           <a:ln>
             <a:noFill/>
@@ -1259,7 +2203,665 @@
 </p:sld>
 </file>
 
-<file path=ppt/slides/slide2.xml><?xml version="1.0" encoding="utf-8"?>
+<file path=ppt/slides/slide3.xml><?xml version="1.0" encoding="utf-8"?>
+<p:sld xmlns:a="http://schemas.openxmlformats.org/drawingml/2006/main" xmlns:r="http://schemas.openxmlformats.org/officeDocument/2006/relationships" xmlns:p="http://schemas.openxmlformats.org/presentationml/2006/main">
+  <p:cSld>
+    <p:spTree>
+      <p:nvGrpSpPr>
+        <p:cNvPr id="1" name=""/>
+        <p:cNvGrpSpPr/>
+        <p:nvPr/>
+      </p:nvGrpSpPr>
+      <p:grpSpPr>
+        <a:xfrm>
+          <a:off x="0" y="0"/>
+          <a:ext cx="0" cy="0"/>
+          <a:chOff x="0" y="0"/>
+          <a:chExt cx="0" cy="0"/>
+        </a:xfrm>
+      </p:grpSpPr>
+      <p:sp>
+        <p:nvSpPr>
+          <p:cNvPr id="19" name="Rectangle 18"/>
+          <p:cNvSpPr/>
+          <p:nvPr/>
+        </p:nvSpPr>
+        <p:spPr>
+          <a:xfrm>
+            <a:off x="1312653" y="2290824"/>
+            <a:ext cx="9566694" cy="2276353"/>
+          </a:xfrm>
+          <a:prstGeom prst="rect">
+            <a:avLst/>
+          </a:prstGeom>
+          <a:gradFill flip="none" rotWithShape="1">
+            <a:gsLst>
+              <a:gs pos="0">
+                <a:schemeClr val="tx1"/>
+              </a:gs>
+              <a:gs pos="100000">
+                <a:srgbClr val="404090"/>
+              </a:gs>
+            </a:gsLst>
+            <a:lin ang="0" scaled="1"/>
+            <a:tileRect/>
+          </a:gradFill>
+          <a:ln>
+            <a:noFill/>
+          </a:ln>
+        </p:spPr>
+        <p:style>
+          <a:lnRef idx="2">
+            <a:schemeClr val="accent1">
+              <a:shade val="50000"/>
+            </a:schemeClr>
+          </a:lnRef>
+          <a:fillRef idx="1">
+            <a:schemeClr val="accent1"/>
+          </a:fillRef>
+          <a:effectRef idx="0">
+            <a:schemeClr val="accent1"/>
+          </a:effectRef>
+          <a:fontRef idx="minor">
+            <a:schemeClr val="lt1"/>
+          </a:fontRef>
+        </p:style>
+        <p:txBody>
+          <a:bodyPr rtlCol="0" anchor="ctr"/>
+          <a:lstStyle/>
+          <a:p>
+            <a:pPr algn="ctr"/>
+            <a:endParaRPr lang="en-GB"/>
+          </a:p>
+        </p:txBody>
+      </p:sp>
+      <p:sp>
+        <p:nvSpPr>
+          <p:cNvPr id="14" name="Rectangle 13"/>
+          <p:cNvSpPr/>
+          <p:nvPr/>
+        </p:nvSpPr>
+        <p:spPr>
+          <a:xfrm>
+            <a:off x="1838744" y="2342138"/>
+            <a:ext cx="2173724" cy="2173724"/>
+          </a:xfrm>
+          <a:prstGeom prst="rect">
+            <a:avLst/>
+          </a:prstGeom>
+          <a:noFill/>
+          <a:ln>
+            <a:noFill/>
+          </a:ln>
+        </p:spPr>
+        <p:style>
+          <a:lnRef idx="2">
+            <a:schemeClr val="accent1">
+              <a:shade val="50000"/>
+            </a:schemeClr>
+          </a:lnRef>
+          <a:fillRef idx="1">
+            <a:schemeClr val="accent1"/>
+          </a:fillRef>
+          <a:effectRef idx="0">
+            <a:schemeClr val="accent1"/>
+          </a:effectRef>
+          <a:fontRef idx="minor">
+            <a:schemeClr val="lt1"/>
+          </a:fontRef>
+        </p:style>
+        <p:txBody>
+          <a:bodyPr rtlCol="0" anchor="ctr"/>
+          <a:lstStyle/>
+          <a:p>
+            <a:pPr algn="ctr"/>
+            <a:endParaRPr lang="en-GB"/>
+          </a:p>
+        </p:txBody>
+      </p:sp>
+      <p:sp>
+        <p:nvSpPr>
+          <p:cNvPr id="15" name="Freeform 14"/>
+          <p:cNvSpPr/>
+          <p:nvPr/>
+        </p:nvSpPr>
+        <p:spPr>
+          <a:xfrm rot="20593713">
+            <a:off x="2916894" y="2501556"/>
+            <a:ext cx="648304" cy="1492330"/>
+          </a:xfrm>
+          <a:custGeom>
+            <a:avLst/>
+            <a:gdLst>
+              <a:gd name="connsiteX0" fmla="*/ 0 w 966159"/>
+              <a:gd name="connsiteY0" fmla="*/ 0 h 2027208"/>
+              <a:gd name="connsiteX1" fmla="*/ 0 w 966159"/>
+              <a:gd name="connsiteY1" fmla="*/ 1630393 h 2027208"/>
+              <a:gd name="connsiteX2" fmla="*/ 966159 w 966159"/>
+              <a:gd name="connsiteY2" fmla="*/ 2027208 h 2027208"/>
+              <a:gd name="connsiteX3" fmla="*/ 0 w 966159"/>
+              <a:gd name="connsiteY3" fmla="*/ 0 h 2027208"/>
+            </a:gdLst>
+            <a:ahLst/>
+            <a:cxnLst>
+              <a:cxn ang="0">
+                <a:pos x="connsiteX0" y="connsiteY0"/>
+              </a:cxn>
+              <a:cxn ang="0">
+                <a:pos x="connsiteX1" y="connsiteY1"/>
+              </a:cxn>
+              <a:cxn ang="0">
+                <a:pos x="connsiteX2" y="connsiteY2"/>
+              </a:cxn>
+              <a:cxn ang="0">
+                <a:pos x="connsiteX3" y="connsiteY3"/>
+              </a:cxn>
+            </a:cxnLst>
+            <a:rect l="l" t="t" r="r" b="b"/>
+            <a:pathLst>
+              <a:path w="966159" h="2027208">
+                <a:moveTo>
+                  <a:pt x="0" y="0"/>
+                </a:moveTo>
+                <a:lnTo>
+                  <a:pt x="0" y="1630393"/>
+                </a:lnTo>
+                <a:lnTo>
+                  <a:pt x="966159" y="2027208"/>
+                </a:lnTo>
+                <a:lnTo>
+                  <a:pt x="0" y="0"/>
+                </a:lnTo>
+                <a:close/>
+              </a:path>
+            </a:pathLst>
+          </a:custGeom>
+          <a:solidFill>
+            <a:schemeClr val="tx2">
+              <a:alpha val="20000"/>
+            </a:schemeClr>
+          </a:solidFill>
+          <a:ln>
+            <a:noFill/>
+          </a:ln>
+        </p:spPr>
+        <p:style>
+          <a:lnRef idx="2">
+            <a:schemeClr val="accent1">
+              <a:shade val="50000"/>
+            </a:schemeClr>
+          </a:lnRef>
+          <a:fillRef idx="1">
+            <a:schemeClr val="accent1"/>
+          </a:fillRef>
+          <a:effectRef idx="0">
+            <a:schemeClr val="accent1"/>
+          </a:effectRef>
+          <a:fontRef idx="minor">
+            <a:schemeClr val="lt1"/>
+          </a:fontRef>
+        </p:style>
+        <p:txBody>
+          <a:bodyPr rtlCol="0" anchor="ctr"/>
+          <a:lstStyle/>
+          <a:p>
+            <a:pPr algn="ctr"/>
+            <a:endParaRPr lang="en-GB"/>
+          </a:p>
+        </p:txBody>
+      </p:sp>
+      <p:sp>
+        <p:nvSpPr>
+          <p:cNvPr id="16" name="Freeform 15"/>
+          <p:cNvSpPr/>
+          <p:nvPr/>
+        </p:nvSpPr>
+        <p:spPr>
+          <a:xfrm rot="20593713" flipH="1">
+            <a:off x="2156265" y="2709760"/>
+            <a:ext cx="648304" cy="1492330"/>
+          </a:xfrm>
+          <a:custGeom>
+            <a:avLst/>
+            <a:gdLst>
+              <a:gd name="connsiteX0" fmla="*/ 0 w 966159"/>
+              <a:gd name="connsiteY0" fmla="*/ 0 h 2027208"/>
+              <a:gd name="connsiteX1" fmla="*/ 0 w 966159"/>
+              <a:gd name="connsiteY1" fmla="*/ 1630393 h 2027208"/>
+              <a:gd name="connsiteX2" fmla="*/ 966159 w 966159"/>
+              <a:gd name="connsiteY2" fmla="*/ 2027208 h 2027208"/>
+              <a:gd name="connsiteX3" fmla="*/ 0 w 966159"/>
+              <a:gd name="connsiteY3" fmla="*/ 0 h 2027208"/>
+            </a:gdLst>
+            <a:ahLst/>
+            <a:cxnLst>
+              <a:cxn ang="0">
+                <a:pos x="connsiteX0" y="connsiteY0"/>
+              </a:cxn>
+              <a:cxn ang="0">
+                <a:pos x="connsiteX1" y="connsiteY1"/>
+              </a:cxn>
+              <a:cxn ang="0">
+                <a:pos x="connsiteX2" y="connsiteY2"/>
+              </a:cxn>
+              <a:cxn ang="0">
+                <a:pos x="connsiteX3" y="connsiteY3"/>
+              </a:cxn>
+            </a:cxnLst>
+            <a:rect l="l" t="t" r="r" b="b"/>
+            <a:pathLst>
+              <a:path w="966159" h="2027208">
+                <a:moveTo>
+                  <a:pt x="0" y="0"/>
+                </a:moveTo>
+                <a:lnTo>
+                  <a:pt x="0" y="1630393"/>
+                </a:lnTo>
+                <a:lnTo>
+                  <a:pt x="966159" y="2027208"/>
+                </a:lnTo>
+                <a:lnTo>
+                  <a:pt x="0" y="0"/>
+                </a:lnTo>
+                <a:close/>
+              </a:path>
+            </a:pathLst>
+          </a:custGeom>
+          <a:solidFill>
+            <a:schemeClr val="tx2">
+              <a:alpha val="20000"/>
+            </a:schemeClr>
+          </a:solidFill>
+          <a:ln>
+            <a:noFill/>
+          </a:ln>
+        </p:spPr>
+        <p:style>
+          <a:lnRef idx="2">
+            <a:schemeClr val="accent1">
+              <a:shade val="50000"/>
+            </a:schemeClr>
+          </a:lnRef>
+          <a:fillRef idx="1">
+            <a:schemeClr val="accent1"/>
+          </a:fillRef>
+          <a:effectRef idx="0">
+            <a:schemeClr val="accent1"/>
+          </a:effectRef>
+          <a:fontRef idx="minor">
+            <a:schemeClr val="lt1"/>
+          </a:fontRef>
+        </p:style>
+        <p:txBody>
+          <a:bodyPr rtlCol="0" anchor="ctr"/>
+          <a:lstStyle/>
+          <a:p>
+            <a:pPr algn="ctr"/>
+            <a:endParaRPr lang="en-GB"/>
+          </a:p>
+        </p:txBody>
+      </p:sp>
+      <p:sp>
+        <p:nvSpPr>
+          <p:cNvPr id="20" name="Freeform 19"/>
+          <p:cNvSpPr/>
+          <p:nvPr/>
+        </p:nvSpPr>
+        <p:spPr>
+          <a:xfrm rot="20593713">
+            <a:off x="2806374" y="2426818"/>
+            <a:ext cx="648304" cy="1492330"/>
+          </a:xfrm>
+          <a:custGeom>
+            <a:avLst/>
+            <a:gdLst>
+              <a:gd name="connsiteX0" fmla="*/ 0 w 966159"/>
+              <a:gd name="connsiteY0" fmla="*/ 0 h 2027208"/>
+              <a:gd name="connsiteX1" fmla="*/ 0 w 966159"/>
+              <a:gd name="connsiteY1" fmla="*/ 1630393 h 2027208"/>
+              <a:gd name="connsiteX2" fmla="*/ 966159 w 966159"/>
+              <a:gd name="connsiteY2" fmla="*/ 2027208 h 2027208"/>
+              <a:gd name="connsiteX3" fmla="*/ 0 w 966159"/>
+              <a:gd name="connsiteY3" fmla="*/ 0 h 2027208"/>
+            </a:gdLst>
+            <a:ahLst/>
+            <a:cxnLst>
+              <a:cxn ang="0">
+                <a:pos x="connsiteX0" y="connsiteY0"/>
+              </a:cxn>
+              <a:cxn ang="0">
+                <a:pos x="connsiteX1" y="connsiteY1"/>
+              </a:cxn>
+              <a:cxn ang="0">
+                <a:pos x="connsiteX2" y="connsiteY2"/>
+              </a:cxn>
+              <a:cxn ang="0">
+                <a:pos x="connsiteX3" y="connsiteY3"/>
+              </a:cxn>
+            </a:cxnLst>
+            <a:rect l="l" t="t" r="r" b="b"/>
+            <a:pathLst>
+              <a:path w="966159" h="2027208">
+                <a:moveTo>
+                  <a:pt x="0" y="0"/>
+                </a:moveTo>
+                <a:lnTo>
+                  <a:pt x="0" y="1630393"/>
+                </a:lnTo>
+                <a:lnTo>
+                  <a:pt x="966159" y="2027208"/>
+                </a:lnTo>
+                <a:lnTo>
+                  <a:pt x="0" y="0"/>
+                </a:lnTo>
+                <a:close/>
+              </a:path>
+            </a:pathLst>
+          </a:custGeom>
+          <a:solidFill>
+            <a:schemeClr val="accent6"/>
+          </a:solidFill>
+          <a:ln>
+            <a:noFill/>
+          </a:ln>
+        </p:spPr>
+        <p:style>
+          <a:lnRef idx="2">
+            <a:schemeClr val="accent1">
+              <a:shade val="50000"/>
+            </a:schemeClr>
+          </a:lnRef>
+          <a:fillRef idx="1">
+            <a:schemeClr val="accent1"/>
+          </a:fillRef>
+          <a:effectRef idx="0">
+            <a:schemeClr val="accent1"/>
+          </a:effectRef>
+          <a:fontRef idx="minor">
+            <a:schemeClr val="lt1"/>
+          </a:fontRef>
+        </p:style>
+        <p:txBody>
+          <a:bodyPr rtlCol="0" anchor="ctr"/>
+          <a:lstStyle/>
+          <a:p>
+            <a:pPr algn="ctr"/>
+            <a:endParaRPr lang="en-GB"/>
+          </a:p>
+        </p:txBody>
+      </p:sp>
+      <p:sp>
+        <p:nvSpPr>
+          <p:cNvPr id="21" name="Freeform 20"/>
+          <p:cNvSpPr/>
+          <p:nvPr/>
+        </p:nvSpPr>
+        <p:spPr>
+          <a:xfrm rot="20593713" flipH="1">
+            <a:off x="2083407" y="2644702"/>
+            <a:ext cx="648304" cy="1492330"/>
+          </a:xfrm>
+          <a:custGeom>
+            <a:avLst/>
+            <a:gdLst>
+              <a:gd name="connsiteX0" fmla="*/ 0 w 966159"/>
+              <a:gd name="connsiteY0" fmla="*/ 0 h 2027208"/>
+              <a:gd name="connsiteX1" fmla="*/ 0 w 966159"/>
+              <a:gd name="connsiteY1" fmla="*/ 1630393 h 2027208"/>
+              <a:gd name="connsiteX2" fmla="*/ 966159 w 966159"/>
+              <a:gd name="connsiteY2" fmla="*/ 2027208 h 2027208"/>
+              <a:gd name="connsiteX3" fmla="*/ 0 w 966159"/>
+              <a:gd name="connsiteY3" fmla="*/ 0 h 2027208"/>
+            </a:gdLst>
+            <a:ahLst/>
+            <a:cxnLst>
+              <a:cxn ang="0">
+                <a:pos x="connsiteX0" y="connsiteY0"/>
+              </a:cxn>
+              <a:cxn ang="0">
+                <a:pos x="connsiteX1" y="connsiteY1"/>
+              </a:cxn>
+              <a:cxn ang="0">
+                <a:pos x="connsiteX2" y="connsiteY2"/>
+              </a:cxn>
+              <a:cxn ang="0">
+                <a:pos x="connsiteX3" y="connsiteY3"/>
+              </a:cxn>
+            </a:cxnLst>
+            <a:rect l="l" t="t" r="r" b="b"/>
+            <a:pathLst>
+              <a:path w="966159" h="2027208">
+                <a:moveTo>
+                  <a:pt x="0" y="0"/>
+                </a:moveTo>
+                <a:lnTo>
+                  <a:pt x="0" y="1630393"/>
+                </a:lnTo>
+                <a:lnTo>
+                  <a:pt x="966159" y="2027208"/>
+                </a:lnTo>
+                <a:lnTo>
+                  <a:pt x="0" y="0"/>
+                </a:lnTo>
+                <a:close/>
+              </a:path>
+            </a:pathLst>
+          </a:custGeom>
+          <a:solidFill>
+            <a:srgbClr val="2581D8"/>
+          </a:solidFill>
+          <a:ln>
+            <a:noFill/>
+          </a:ln>
+        </p:spPr>
+        <p:style>
+          <a:lnRef idx="2">
+            <a:schemeClr val="accent1">
+              <a:shade val="50000"/>
+            </a:schemeClr>
+          </a:lnRef>
+          <a:fillRef idx="1">
+            <a:schemeClr val="accent1"/>
+          </a:fillRef>
+          <a:effectRef idx="0">
+            <a:schemeClr val="accent1"/>
+          </a:effectRef>
+          <a:fontRef idx="minor">
+            <a:schemeClr val="lt1"/>
+          </a:fontRef>
+        </p:style>
+        <p:txBody>
+          <a:bodyPr rtlCol="0" anchor="ctr"/>
+          <a:lstStyle/>
+          <a:p>
+            <a:pPr algn="ctr"/>
+            <a:endParaRPr lang="en-GB"/>
+          </a:p>
+        </p:txBody>
+      </p:sp>
+      <p:sp>
+        <p:nvSpPr>
+          <p:cNvPr id="3" name="TextBox 2"/>
+          <p:cNvSpPr txBox="1"/>
+          <p:nvPr/>
+        </p:nvSpPr>
+        <p:spPr>
+          <a:xfrm>
+            <a:off x="4085326" y="2479058"/>
+            <a:ext cx="5315879" cy="1323439"/>
+          </a:xfrm>
+          <a:prstGeom prst="rect">
+            <a:avLst/>
+          </a:prstGeom>
+          <a:noFill/>
+        </p:spPr>
+        <p:txBody>
+          <a:bodyPr wrap="none" rtlCol="0">
+            <a:spAutoFit/>
+          </a:bodyPr>
+          <a:lstStyle/>
+          <a:p>
+            <a:r>
+              <a:rPr lang="en-GB" sz="8000" dirty="0" err="1" smtClean="0">
+                <a:gradFill flip="none" rotWithShape="1">
+                  <a:gsLst>
+                    <a:gs pos="0">
+                      <a:srgbClr val="C7F0FF"/>
+                    </a:gs>
+                    <a:gs pos="95000">
+                      <a:srgbClr val="9090F1"/>
+                    </a:gs>
+                  </a:gsLst>
+                  <a:lin ang="10800000" scaled="1"/>
+                  <a:tileRect/>
+                </a:gradFill>
+                <a:latin typeface="Geologica Thin" pitchFamily="2" charset="0"/>
+                <a:ea typeface="Roboto Mono" panose="00000009000000000000" pitchFamily="49" charset="0"/>
+                <a:cs typeface="Shantell Sans" pitchFamily="2" charset="0"/>
+              </a:rPr>
+              <a:t>pyco</a:t>
+            </a:r>
+            <a:r>
+              <a:rPr lang="en-GB" sz="8000" dirty="0" err="1" smtClean="0">
+                <a:solidFill>
+                  <a:schemeClr val="bg1">
+                    <a:alpha val="31000"/>
+                  </a:schemeClr>
+                </a:solidFill>
+                <a:latin typeface="Geologica Thin" pitchFamily="2" charset="0"/>
+                <a:ea typeface="Roboto Mono" panose="00000009000000000000" pitchFamily="49" charset="0"/>
+                <a:cs typeface="Shantell Sans" pitchFamily="2" charset="0"/>
+              </a:rPr>
+              <a:t>:</a:t>
+            </a:r>
+            <a:r>
+              <a:rPr lang="en-GB" sz="8000" dirty="0" err="1" smtClean="0">
+                <a:gradFill flip="none" rotWithShape="1">
+                  <a:gsLst>
+                    <a:gs pos="0">
+                      <a:srgbClr val="C7F0FF"/>
+                    </a:gs>
+                    <a:gs pos="95000">
+                      <a:srgbClr val="9090F1"/>
+                    </a:gs>
+                  </a:gsLst>
+                  <a:lin ang="10800000" scaled="1"/>
+                  <a:tileRect/>
+                </a:gradFill>
+                <a:latin typeface="Geologica Thin" pitchFamily="2" charset="0"/>
+                <a:ea typeface="Roboto Mono" panose="00000009000000000000" pitchFamily="49" charset="0"/>
+                <a:cs typeface="Shantell Sans" pitchFamily="2" charset="0"/>
+              </a:rPr>
+              <a:t>bytes</a:t>
+            </a:r>
+            <a:endParaRPr lang="en-GB" sz="8000" dirty="0">
+              <a:gradFill flip="none" rotWithShape="1">
+                <a:gsLst>
+                  <a:gs pos="0">
+                    <a:srgbClr val="C7F0FF"/>
+                  </a:gs>
+                  <a:gs pos="95000">
+                    <a:srgbClr val="9090F1"/>
+                  </a:gs>
+                </a:gsLst>
+                <a:lin ang="10800000" scaled="1"/>
+                <a:tileRect/>
+              </a:gradFill>
+              <a:latin typeface="Geologica Thin" pitchFamily="2" charset="0"/>
+              <a:ea typeface="Roboto Mono" panose="00000009000000000000" pitchFamily="49" charset="0"/>
+              <a:cs typeface="Shantell Sans" pitchFamily="2" charset="0"/>
+            </a:endParaRPr>
+          </a:p>
+        </p:txBody>
+      </p:sp>
+      <p:sp>
+        <p:nvSpPr>
+          <p:cNvPr id="18" name="TextBox 17"/>
+          <p:cNvSpPr txBox="1"/>
+          <p:nvPr/>
+        </p:nvSpPr>
+        <p:spPr>
+          <a:xfrm>
+            <a:off x="4151274" y="3863332"/>
+            <a:ext cx="6372257" cy="400110"/>
+          </a:xfrm>
+          <a:prstGeom prst="rect">
+            <a:avLst/>
+          </a:prstGeom>
+          <a:noFill/>
+        </p:spPr>
+        <p:txBody>
+          <a:bodyPr wrap="none" rtlCol="0">
+            <a:spAutoFit/>
+          </a:bodyPr>
+          <a:lstStyle/>
+          <a:p>
+            <a:r>
+              <a:rPr lang="en-GB" sz="2000" dirty="0">
+                <a:solidFill>
+                  <a:schemeClr val="bg1"/>
+                </a:solidFill>
+                <a:latin typeface="Overpass" pitchFamily="2" charset="0"/>
+              </a:rPr>
+              <a:t>e</a:t>
+            </a:r>
+            <a:r>
+              <a:rPr lang="en-GB" sz="2000" dirty="0" smtClean="0">
+                <a:solidFill>
+                  <a:schemeClr val="bg1"/>
+                </a:solidFill>
+                <a:latin typeface="Overpass" pitchFamily="2" charset="0"/>
+              </a:rPr>
+              <a:t>xploring the magic of Python, week by </a:t>
+            </a:r>
+            <a:r>
+              <a:rPr lang="en-GB" sz="2000" dirty="0" smtClean="0">
+                <a:solidFill>
+                  <a:schemeClr val="bg1"/>
+                </a:solidFill>
+                <a:latin typeface="Overpass" pitchFamily="2" charset="0"/>
+              </a:rPr>
+              <a:t>week          </a:t>
+            </a:r>
+            <a:r>
+              <a:rPr lang="en-GB" sz="2000" dirty="0" smtClean="0">
+                <a:solidFill>
+                  <a:schemeClr val="accent4"/>
+                </a:solidFill>
+                <a:latin typeface="Consolas" panose="020B0609020204030204" pitchFamily="49" charset="0"/>
+              </a:rPr>
+              <a:t>&gt;&gt;&gt;</a:t>
+            </a:r>
+            <a:endParaRPr lang="en-GB" sz="2000" dirty="0">
+              <a:solidFill>
+                <a:schemeClr val="accent4"/>
+              </a:solidFill>
+              <a:latin typeface="Consolas" panose="020B0609020204030204" pitchFamily="49" charset="0"/>
+            </a:endParaRPr>
+          </a:p>
+        </p:txBody>
+      </p:sp>
+    </p:spTree>
+    <p:extLst>
+      <p:ext uri="{BB962C8B-B14F-4D97-AF65-F5344CB8AC3E}">
+        <p14:creationId xmlns:p14="http://schemas.microsoft.com/office/powerpoint/2010/main" val="4232699266"/>
+      </p:ext>
+    </p:extLst>
+  </p:cSld>
+  <p:clrMapOvr>
+    <a:masterClrMapping/>
+  </p:clrMapOvr>
+  <p:timing>
+    <p:tnLst>
+      <p:par>
+        <p:cTn id="1" dur="indefinite" restart="never" nodeType="tmRoot"/>
+      </p:par>
+    </p:tnLst>
+  </p:timing>
+</p:sld>
+</file>
+
+<file path=ppt/slides/slide4.xml><?xml version="1.0" encoding="utf-8"?>
 <p:sld xmlns:a="http://schemas.openxmlformats.org/drawingml/2006/main" xmlns:r="http://schemas.openxmlformats.org/officeDocument/2006/relationships" xmlns:p="http://schemas.openxmlformats.org/presentationml/2006/main">
   <p:cSld>
     <p:spTree>
@@ -1905,7 +3507,7 @@
 </p:sld>
 </file>
 
-<file path=ppt/slides/slide3.xml><?xml version="1.0" encoding="utf-8"?>
+<file path=ppt/slides/slide5.xml><?xml version="1.0" encoding="utf-8"?>
 <p:sld xmlns:a="http://schemas.openxmlformats.org/drawingml/2006/main" xmlns:r="http://schemas.openxmlformats.org/officeDocument/2006/relationships" xmlns:p="http://schemas.openxmlformats.org/presentationml/2006/main">
   <p:cSld>
     <p:spTree>
@@ -2414,7 +4016,7 @@
 </p:sld>
 </file>
 
-<file path=ppt/slides/slide4.xml><?xml version="1.0" encoding="utf-8"?>
+<file path=ppt/slides/slide6.xml><?xml version="1.0" encoding="utf-8"?>
 <p:sld xmlns:a="http://schemas.openxmlformats.org/drawingml/2006/main" xmlns:r="http://schemas.openxmlformats.org/officeDocument/2006/relationships" xmlns:p="http://schemas.openxmlformats.org/presentationml/2006/main">
   <p:cSld>
     <p:spTree>
@@ -3101,7 +4703,7 @@
 </p:sld>
 </file>
 
-<file path=ppt/slides/slide5.xml><?xml version="1.0" encoding="utf-8"?>
+<file path=ppt/slides/slide7.xml><?xml version="1.0" encoding="utf-8"?>
 <p:sld xmlns:a="http://schemas.openxmlformats.org/drawingml/2006/main" xmlns:r="http://schemas.openxmlformats.org/officeDocument/2006/relationships" xmlns:p="http://schemas.openxmlformats.org/presentationml/2006/main">
   <p:cSld>
     <p:spTree>
@@ -3788,7 +5390,7 @@
 </p:sld>
 </file>
 
-<file path=ppt/slides/slide6.xml><?xml version="1.0" encoding="utf-8"?>
+<file path=ppt/slides/slide8.xml><?xml version="1.0" encoding="utf-8"?>
 <p:sld xmlns:a="http://schemas.openxmlformats.org/drawingml/2006/main" xmlns:r="http://schemas.openxmlformats.org/officeDocument/2006/relationships" xmlns:p="http://schemas.openxmlformats.org/presentationml/2006/main">
   <p:cSld>
     <p:spTree>
@@ -4928,7 +6530,7 @@
 </p:sld>
 </file>
 
-<file path=ppt/slides/slide7.xml><?xml version="1.0" encoding="utf-8"?>
+<file path=ppt/slides/slide9.xml><?xml version="1.0" encoding="utf-8"?>
 <p:sld xmlns:a="http://schemas.openxmlformats.org/drawingml/2006/main" xmlns:r="http://schemas.openxmlformats.org/officeDocument/2006/relationships" xmlns:p="http://schemas.openxmlformats.org/presentationml/2006/main">
   <p:cSld>
     <p:spTree>
@@ -5019,507 +6621,6 @@
     <p:extLst>
       <p:ext uri="{BB962C8B-B14F-4D97-AF65-F5344CB8AC3E}">
         <p14:creationId xmlns:p14="http://schemas.microsoft.com/office/powerpoint/2010/main" val="1353647218"/>
-      </p:ext>
-    </p:extLst>
-  </p:cSld>
-  <p:clrMapOvr>
-    <a:masterClrMapping/>
-  </p:clrMapOvr>
-  <p:timing>
-    <p:tnLst>
-      <p:par>
-        <p:cTn id="1" dur="indefinite" restart="never" nodeType="tmRoot"/>
-      </p:par>
-    </p:tnLst>
-  </p:timing>
-</p:sld>
-</file>
-
-<file path=ppt/slides/slide8.xml><?xml version="1.0" encoding="utf-8"?>
-<p:sld xmlns:a="http://schemas.openxmlformats.org/drawingml/2006/main" xmlns:r="http://schemas.openxmlformats.org/officeDocument/2006/relationships" xmlns:p="http://schemas.openxmlformats.org/presentationml/2006/main">
-  <p:cSld>
-    <p:spTree>
-      <p:nvGrpSpPr>
-        <p:cNvPr id="1" name=""/>
-        <p:cNvGrpSpPr/>
-        <p:nvPr/>
-      </p:nvGrpSpPr>
-      <p:grpSpPr>
-        <a:xfrm>
-          <a:off x="0" y="0"/>
-          <a:ext cx="0" cy="0"/>
-          <a:chOff x="0" y="0"/>
-          <a:chExt cx="0" cy="0"/>
-        </a:xfrm>
-      </p:grpSpPr>
-      <p:sp>
-        <p:nvSpPr>
-          <p:cNvPr id="3" name="Rectangle 2"/>
-          <p:cNvSpPr/>
-          <p:nvPr/>
-        </p:nvSpPr>
-        <p:spPr>
-          <a:xfrm>
-            <a:off x="2082800" y="2675467"/>
-            <a:ext cx="7128933" cy="3013980"/>
-          </a:xfrm>
-          <a:prstGeom prst="rect">
-            <a:avLst/>
-          </a:prstGeom>
-          <a:solidFill>
-            <a:srgbClr val="011627"/>
-          </a:solidFill>
-          <a:ln>
-            <a:noFill/>
-          </a:ln>
-        </p:spPr>
-        <p:style>
-          <a:lnRef idx="2">
-            <a:schemeClr val="accent1">
-              <a:shade val="50000"/>
-            </a:schemeClr>
-          </a:lnRef>
-          <a:fillRef idx="1">
-            <a:schemeClr val="accent1"/>
-          </a:fillRef>
-          <a:effectRef idx="0">
-            <a:schemeClr val="accent1"/>
-          </a:effectRef>
-          <a:fontRef idx="minor">
-            <a:schemeClr val="lt1"/>
-          </a:fontRef>
-        </p:style>
-        <p:txBody>
-          <a:bodyPr rtlCol="0" anchor="ctr"/>
-          <a:lstStyle/>
-          <a:p>
-            <a:pPr algn="ctr"/>
-            <a:endParaRPr lang="en-GB"/>
-          </a:p>
-        </p:txBody>
-      </p:sp>
-      <p:sp>
-        <p:nvSpPr>
-          <p:cNvPr id="2" name="Rectangle 1"/>
-          <p:cNvSpPr>
-            <a:spLocks noChangeArrowheads="1"/>
-          </p:cNvSpPr>
-          <p:nvPr/>
-        </p:nvSpPr>
-        <p:spPr bwMode="auto">
-          <a:xfrm>
-            <a:off x="3345247" y="2887211"/>
-            <a:ext cx="5501506" cy="1083579"/>
-          </a:xfrm>
-          <a:prstGeom prst="rect">
-            <a:avLst/>
-          </a:prstGeom>
-          <a:solidFill>
-            <a:srgbClr val="011627"/>
-          </a:solidFill>
-          <a:ln>
-            <a:noFill/>
-          </a:ln>
-          <a:effectLst/>
-          <a:extLst>
-            <a:ext uri="{91240B29-F687-4F45-9708-019B960494DF}">
-              <a14:hiddenLine xmlns:a14="http://schemas.microsoft.com/office/drawing/2010/main" w="9525">
-                <a:solidFill>
-                  <a:schemeClr val="tx1"/>
-                </a:solidFill>
-                <a:miter lim="800000"/>
-                <a:headEnd/>
-                <a:tailEnd/>
-              </a14:hiddenLine>
-            </a:ext>
-            <a:ext uri="{AF507438-7753-43E0-B8FC-AC1667EBCBE1}">
-              <a14:hiddenEffects xmlns:a14="http://schemas.microsoft.com/office/drawing/2010/main">
-                <a:effectLst>
-                  <a:outerShdw dist="35921" dir="2700000" algn="ctr" rotWithShape="0">
-                    <a:schemeClr val="bg2"/>
-                  </a:outerShdw>
-                </a:effectLst>
-              </a14:hiddenEffects>
-            </a:ext>
-          </a:extLst>
-        </p:spPr>
-        <p:txBody>
-          <a:bodyPr vert="horz" wrap="none" lIns="0" tIns="79350" rIns="0" bIns="79350" numCol="1" anchor="ctr" anchorCtr="0" compatLnSpc="1">
-            <a:prstTxWarp prst="textNoShape">
-              <a:avLst/>
-            </a:prstTxWarp>
-            <a:spAutoFit/>
-          </a:bodyPr>
-          <a:lstStyle/>
-          <a:p>
-            <a:pPr marL="0" marR="0" lvl="0" indent="0" algn="l" defTabSz="914400" rtl="0" eaLnBrk="0" fontAlgn="base" latinLnBrk="0" hangingPunct="0">
-              <a:lnSpc>
-                <a:spcPct val="100000"/>
-              </a:lnSpc>
-              <a:spcBef>
-                <a:spcPct val="0"/>
-              </a:spcBef>
-              <a:spcAft>
-                <a:spcPct val="0"/>
-              </a:spcAft>
-              <a:buClrTx/>
-              <a:buSzTx/>
-              <a:buFontTx/>
-              <a:buNone/>
-              <a:tabLst/>
-            </a:pPr>
-            <a:r>
-              <a:rPr kumimoji="0" lang="en-US" altLang="en-US" sz="3000" b="0" i="0" u="none" strike="noStrike" cap="none" normalizeH="0" baseline="0" dirty="0" smtClean="0">
-                <a:ln>
-                  <a:noFill/>
-                </a:ln>
-                <a:solidFill>
-                  <a:srgbClr val="7FDBCA"/>
-                </a:solidFill>
-                <a:effectLst/>
-                <a:latin typeface="Consolas" panose="020B0609020204030204" pitchFamily="49" charset="0"/>
-              </a:rPr>
-              <a:t>for</a:t>
-            </a:r>
-            <a:r>
-              <a:rPr kumimoji="0" lang="en-US" altLang="en-US" sz="3000" b="0" i="0" u="none" strike="noStrike" cap="none" normalizeH="0" baseline="0" dirty="0" smtClean="0">
-                <a:ln>
-                  <a:noFill/>
-                </a:ln>
-                <a:solidFill>
-                  <a:srgbClr val="D6DEEB"/>
-                </a:solidFill>
-                <a:effectLst/>
-                <a:latin typeface="Consolas" panose="020B0609020204030204" pitchFamily="49" charset="0"/>
-              </a:rPr>
-              <a:t> x </a:t>
-            </a:r>
-            <a:r>
-              <a:rPr kumimoji="0" lang="en-US" altLang="en-US" sz="3000" b="0" i="0" u="none" strike="noStrike" cap="none" normalizeH="0" baseline="0" dirty="0" smtClean="0">
-                <a:ln>
-                  <a:noFill/>
-                </a:ln>
-                <a:solidFill>
-                  <a:srgbClr val="7FDBCA"/>
-                </a:solidFill>
-                <a:effectLst/>
-                <a:latin typeface="Consolas" panose="020B0609020204030204" pitchFamily="49" charset="0"/>
-              </a:rPr>
-              <a:t>in</a:t>
-            </a:r>
-            <a:r>
-              <a:rPr kumimoji="0" lang="en-US" altLang="en-US" sz="3000" b="0" i="0" u="none" strike="noStrike" cap="none" normalizeH="0" baseline="0" dirty="0" smtClean="0">
-                <a:ln>
-                  <a:noFill/>
-                </a:ln>
-                <a:solidFill>
-                  <a:srgbClr val="D6DEEB"/>
-                </a:solidFill>
-                <a:effectLst/>
-                <a:latin typeface="Consolas" panose="020B0609020204030204" pitchFamily="49" charset="0"/>
-              </a:rPr>
-              <a:t> numbers</a:t>
-            </a:r>
-            <a:r>
-              <a:rPr kumimoji="0" lang="en-US" altLang="en-US" sz="3000" b="0" i="0" u="none" strike="noStrike" cap="none" normalizeH="0" baseline="0" dirty="0" smtClean="0">
-                <a:ln>
-                  <a:noFill/>
-                </a:ln>
-                <a:solidFill>
-                  <a:schemeClr val="tx2">
-                    <a:lumMod val="75000"/>
-                  </a:schemeClr>
-                </a:solidFill>
-                <a:effectLst/>
-                <a:latin typeface="Consolas" panose="020B0609020204030204" pitchFamily="49" charset="0"/>
-              </a:rPr>
-              <a:t>:</a:t>
-            </a:r>
-          </a:p>
-          <a:p>
-            <a:pPr marL="0" marR="0" lvl="0" indent="0" algn="l" defTabSz="914400" rtl="0" eaLnBrk="0" fontAlgn="base" latinLnBrk="0" hangingPunct="0">
-              <a:lnSpc>
-                <a:spcPct val="100000"/>
-              </a:lnSpc>
-              <a:spcBef>
-                <a:spcPct val="0"/>
-              </a:spcBef>
-              <a:spcAft>
-                <a:spcPct val="0"/>
-              </a:spcAft>
-              <a:buClrTx/>
-              <a:buSzTx/>
-              <a:buFontTx/>
-              <a:buNone/>
-              <a:tabLst/>
-            </a:pPr>
-            <a:r>
-              <a:rPr lang="en-US" altLang="en-US" sz="3000" dirty="0">
-                <a:solidFill>
-                  <a:srgbClr val="C792EA"/>
-                </a:solidFill>
-                <a:latin typeface="Consolas" panose="020B0609020204030204" pitchFamily="49" charset="0"/>
-              </a:rPr>
-              <a:t> </a:t>
-            </a:r>
-            <a:r>
-              <a:rPr lang="en-US" altLang="en-US" sz="3000" dirty="0" smtClean="0">
-                <a:solidFill>
-                  <a:srgbClr val="C792EA"/>
-                </a:solidFill>
-                <a:latin typeface="Consolas" panose="020B0609020204030204" pitchFamily="49" charset="0"/>
-              </a:rPr>
-              <a:t>   </a:t>
-            </a:r>
-            <a:r>
-              <a:rPr kumimoji="0" lang="en-US" altLang="en-US" sz="3000" b="0" i="0" u="none" strike="noStrike" cap="none" normalizeH="0" baseline="0" dirty="0" err="1" smtClean="0">
-                <a:ln>
-                  <a:noFill/>
-                </a:ln>
-                <a:solidFill>
-                  <a:schemeClr val="tx2">
-                    <a:lumMod val="75000"/>
-                  </a:schemeClr>
-                </a:solidFill>
-                <a:effectLst/>
-                <a:latin typeface="Consolas" panose="020B0609020204030204" pitchFamily="49" charset="0"/>
-              </a:rPr>
-              <a:t>result.append</a:t>
-            </a:r>
-            <a:r>
-              <a:rPr kumimoji="0" lang="en-US" altLang="en-US" sz="3000" b="0" i="0" u="none" strike="noStrike" cap="none" normalizeH="0" baseline="0" dirty="0" smtClean="0">
-                <a:ln>
-                  <a:noFill/>
-                </a:ln>
-                <a:solidFill>
-                  <a:schemeClr val="tx2">
-                    <a:lumMod val="75000"/>
-                  </a:schemeClr>
-                </a:solidFill>
-                <a:effectLst/>
-                <a:latin typeface="Consolas" panose="020B0609020204030204" pitchFamily="49" charset="0"/>
-              </a:rPr>
-              <a:t>(</a:t>
-            </a:r>
-            <a:r>
-              <a:rPr kumimoji="0" lang="en-US" altLang="en-US" sz="3000" b="0" i="0" u="none" strike="noStrike" cap="none" normalizeH="0" baseline="0" dirty="0" smtClean="0">
-                <a:ln>
-                  <a:noFill/>
-                </a:ln>
-                <a:solidFill>
-                  <a:srgbClr val="D6DEEB"/>
-                </a:solidFill>
-                <a:effectLst/>
-                <a:latin typeface="Consolas" panose="020B0609020204030204" pitchFamily="49" charset="0"/>
-              </a:rPr>
-              <a:t>x </a:t>
-            </a:r>
-            <a:r>
-              <a:rPr kumimoji="0" lang="en-US" altLang="en-US" sz="3000" b="0" i="0" u="none" strike="noStrike" cap="none" normalizeH="0" baseline="0" dirty="0" smtClean="0">
-                <a:ln>
-                  <a:noFill/>
-                </a:ln>
-                <a:solidFill>
-                  <a:srgbClr val="7FDBCA"/>
-                </a:solidFill>
-                <a:effectLst/>
-                <a:latin typeface="Consolas" panose="020B0609020204030204" pitchFamily="49" charset="0"/>
-              </a:rPr>
-              <a:t>**</a:t>
-            </a:r>
-            <a:r>
-              <a:rPr kumimoji="0" lang="en-US" altLang="en-US" sz="3000" b="0" i="0" u="none" strike="noStrike" cap="none" normalizeH="0" baseline="0" dirty="0" smtClean="0">
-                <a:ln>
-                  <a:noFill/>
-                </a:ln>
-                <a:solidFill>
-                  <a:srgbClr val="D6DEEB"/>
-                </a:solidFill>
-                <a:effectLst/>
-                <a:latin typeface="Consolas" panose="020B0609020204030204" pitchFamily="49" charset="0"/>
-              </a:rPr>
-              <a:t> </a:t>
-            </a:r>
-            <a:r>
-              <a:rPr kumimoji="0" lang="en-US" altLang="en-US" sz="3000" b="0" i="0" u="none" strike="noStrike" cap="none" normalizeH="0" baseline="0" dirty="0" smtClean="0">
-                <a:ln>
-                  <a:noFill/>
-                </a:ln>
-                <a:solidFill>
-                  <a:srgbClr val="F78C6C"/>
-                </a:solidFill>
-                <a:effectLst/>
-                <a:latin typeface="Consolas" panose="020B0609020204030204" pitchFamily="49" charset="0"/>
-              </a:rPr>
-              <a:t>2</a:t>
-            </a:r>
-            <a:r>
-              <a:rPr kumimoji="0" lang="en-US" altLang="en-US" sz="3000" b="0" i="0" u="none" strike="noStrike" cap="none" normalizeH="0" baseline="0" dirty="0" smtClean="0">
-                <a:ln>
-                  <a:noFill/>
-                </a:ln>
-                <a:solidFill>
-                  <a:schemeClr val="tx2">
-                    <a:lumMod val="75000"/>
-                  </a:schemeClr>
-                </a:solidFill>
-                <a:effectLst/>
-                <a:latin typeface="Consolas" panose="020B0609020204030204" pitchFamily="49" charset="0"/>
-              </a:rPr>
-              <a:t>)</a:t>
-            </a:r>
-            <a:r>
-              <a:rPr kumimoji="0" lang="en-US" altLang="en-US" sz="3000" b="0" i="0" u="none" strike="noStrike" cap="none" normalizeH="0" baseline="0" dirty="0" smtClean="0">
-                <a:ln>
-                  <a:noFill/>
-                </a:ln>
-                <a:solidFill>
-                  <a:schemeClr val="tx1"/>
-                </a:solidFill>
-                <a:effectLst/>
-                <a:latin typeface="Consolas" panose="020B0609020204030204" pitchFamily="49" charset="0"/>
-              </a:rPr>
-              <a:t> </a:t>
-            </a:r>
-          </a:p>
-        </p:txBody>
-      </p:sp>
-      <p:sp>
-        <p:nvSpPr>
-          <p:cNvPr id="6" name="Freeform 5"/>
-          <p:cNvSpPr/>
-          <p:nvPr/>
-        </p:nvSpPr>
-        <p:spPr>
-          <a:xfrm>
-            <a:off x="2857948" y="3657600"/>
-            <a:ext cx="4897143" cy="1582103"/>
-          </a:xfrm>
-          <a:custGeom>
-            <a:avLst/>
-            <a:gdLst>
-              <a:gd name="connsiteX0" fmla="*/ 1515533 w 1515533"/>
-              <a:gd name="connsiteY0" fmla="*/ 169333 h 452104"/>
-              <a:gd name="connsiteX1" fmla="*/ 817033 w 1515533"/>
-              <a:gd name="connsiteY1" fmla="*/ 448733 h 452104"/>
-              <a:gd name="connsiteX2" fmla="*/ 0 w 1515533"/>
-              <a:gd name="connsiteY2" fmla="*/ 0 h 452104"/>
-              <a:gd name="connsiteX0" fmla="*/ 1515533 w 1515533"/>
-              <a:gd name="connsiteY0" fmla="*/ 169333 h 489618"/>
-              <a:gd name="connsiteX1" fmla="*/ 757767 w 1515533"/>
-              <a:gd name="connsiteY1" fmla="*/ 486833 h 489618"/>
-              <a:gd name="connsiteX2" fmla="*/ 0 w 1515533"/>
-              <a:gd name="connsiteY2" fmla="*/ 0 h 489618"/>
-              <a:gd name="connsiteX0" fmla="*/ 1515533 w 1515533"/>
-              <a:gd name="connsiteY0" fmla="*/ 169333 h 489618"/>
-              <a:gd name="connsiteX1" fmla="*/ 757767 w 1515533"/>
-              <a:gd name="connsiteY1" fmla="*/ 486833 h 489618"/>
-              <a:gd name="connsiteX2" fmla="*/ 0 w 1515533"/>
-              <a:gd name="connsiteY2" fmla="*/ 0 h 489618"/>
-            </a:gdLst>
-            <a:ahLst/>
-            <a:cxnLst>
-              <a:cxn ang="0">
-                <a:pos x="connsiteX0" y="connsiteY0"/>
-              </a:cxn>
-              <a:cxn ang="0">
-                <a:pos x="connsiteX1" y="connsiteY1"/>
-              </a:cxn>
-              <a:cxn ang="0">
-                <a:pos x="connsiteX2" y="connsiteY2"/>
-              </a:cxn>
-            </a:cxnLst>
-            <a:rect l="l" t="t" r="r" b="b"/>
-            <a:pathLst>
-              <a:path w="1515533" h="489618">
-                <a:moveTo>
-                  <a:pt x="1515533" y="169333"/>
-                </a:moveTo>
-                <a:cubicBezTo>
-                  <a:pt x="1292577" y="323144"/>
-                  <a:pt x="1010356" y="515055"/>
-                  <a:pt x="757767" y="486833"/>
-                </a:cubicBezTo>
-                <a:cubicBezTo>
-                  <a:pt x="505178" y="458611"/>
-                  <a:pt x="282222" y="320322"/>
-                  <a:pt x="0" y="0"/>
-                </a:cubicBezTo>
-              </a:path>
-            </a:pathLst>
-          </a:custGeom>
-          <a:noFill/>
-          <a:ln w="63500">
-            <a:solidFill>
-              <a:schemeClr val="accent6"/>
-            </a:solidFill>
-            <a:tailEnd type="arrow"/>
-          </a:ln>
-        </p:spPr>
-        <p:style>
-          <a:lnRef idx="2">
-            <a:schemeClr val="accent1">
-              <a:shade val="50000"/>
-            </a:schemeClr>
-          </a:lnRef>
-          <a:fillRef idx="1">
-            <a:schemeClr val="accent1"/>
-          </a:fillRef>
-          <a:effectRef idx="0">
-            <a:schemeClr val="accent1"/>
-          </a:effectRef>
-          <a:fontRef idx="minor">
-            <a:schemeClr val="lt1"/>
-          </a:fontRef>
-        </p:style>
-        <p:txBody>
-          <a:bodyPr rtlCol="0" anchor="ctr"/>
-          <a:lstStyle/>
-          <a:p>
-            <a:pPr algn="ctr"/>
-            <a:endParaRPr lang="en-GB"/>
-          </a:p>
-        </p:txBody>
-      </p:sp>
-      <p:cxnSp>
-        <p:nvCxnSpPr>
-          <p:cNvPr id="8" name="Straight Connector 7"/>
-          <p:cNvCxnSpPr/>
-          <p:nvPr/>
-        </p:nvCxnSpPr>
-        <p:spPr>
-          <a:xfrm>
-            <a:off x="7072543" y="4034290"/>
-            <a:ext cx="1376276" cy="0"/>
-          </a:xfrm>
-          <a:prstGeom prst="line">
-            <a:avLst/>
-          </a:prstGeom>
-          <a:ln w="50800">
-            <a:solidFill>
-              <a:schemeClr val="accent6"/>
-            </a:solidFill>
-          </a:ln>
-        </p:spPr>
-        <p:style>
-          <a:lnRef idx="1">
-            <a:schemeClr val="accent1"/>
-          </a:lnRef>
-          <a:fillRef idx="0">
-            <a:schemeClr val="accent1"/>
-          </a:fillRef>
-          <a:effectRef idx="0">
-            <a:schemeClr val="accent1"/>
-          </a:effectRef>
-          <a:fontRef idx="minor">
-            <a:schemeClr val="tx1"/>
-          </a:fontRef>
-        </p:style>
-      </p:cxnSp>
-    </p:spTree>
-    <p:extLst>
-      <p:ext uri="{BB962C8B-B14F-4D97-AF65-F5344CB8AC3E}">
-        <p14:creationId xmlns:p14="http://schemas.microsoft.com/office/powerpoint/2010/main" val="3734903375"/>
       </p:ext>
     </p:extLst>
   </p:cSld>
